--- a/InterfacageNumerique/APC/S6_IntNum_APC.pptx
+++ b/InterfacageNumerique/APC/S6_IntNum_APC.pptx
@@ -5,7 +5,7 @@
     <p:sldMasterId id="2147483711" r:id="rId1"/>
   </p:sldMasterIdLst>
   <p:notesMasterIdLst>
-    <p:notesMasterId r:id="rId24"/>
+    <p:notesMasterId r:id="rId29"/>
   </p:notesMasterIdLst>
   <p:sldIdLst>
     <p:sldId id="310" r:id="rId2"/>
@@ -30,6 +30,11 @@
     <p:sldId id="345" r:id="rId21"/>
     <p:sldId id="344" r:id="rId22"/>
     <p:sldId id="384" r:id="rId23"/>
+    <p:sldId id="385" r:id="rId24"/>
+    <p:sldId id="386" r:id="rId25"/>
+    <p:sldId id="389" r:id="rId26"/>
+    <p:sldId id="388" r:id="rId27"/>
+    <p:sldId id="390" r:id="rId28"/>
   </p:sldIdLst>
   <p:sldSz cx="12192000" cy="6858000"/>
   <p:notesSz cx="6858000" cy="9144000"/>
@@ -229,7 +234,7 @@
           <a:p>
             <a:fld id="{729C724E-499D-43AC-8699-CF969D2466FC}" type="datetimeFigureOut">
               <a:rPr lang="fr-FR" smtClean="0"/>
-              <a:t>25/01/2025</a:t>
+              <a:t>27/01/2025</a:t>
             </a:fld>
             <a:endParaRPr lang="fr-FR"/>
           </a:p>
@@ -1384,6 +1389,339 @@
 </p:notes>
 </file>
 
+<file path=ppt/notesSlides/notesSlide17.xml><?xml version="1.0" encoding="utf-8"?>
+<p:notes xmlns:a="http://schemas.openxmlformats.org/drawingml/2006/main" xmlns:r="http://schemas.openxmlformats.org/officeDocument/2006/relationships" xmlns:p="http://schemas.openxmlformats.org/presentationml/2006/main">
+  <p:cSld>
+    <p:spTree>
+      <p:nvGrpSpPr>
+        <p:cNvPr id="1" name="">
+          <a:extLst>
+            <a:ext uri="{FF2B5EF4-FFF2-40B4-BE49-F238E27FC236}">
+              <a16:creationId xmlns:a16="http://schemas.microsoft.com/office/drawing/2014/main" id="{E53A135B-A8A3-BB53-4C60-505EC8E5294C}"/>
+            </a:ext>
+          </a:extLst>
+        </p:cNvPr>
+        <p:cNvGrpSpPr/>
+        <p:nvPr/>
+      </p:nvGrpSpPr>
+      <p:grpSpPr>
+        <a:xfrm>
+          <a:off x="0" y="0"/>
+          <a:ext cx="0" cy="0"/>
+          <a:chOff x="0" y="0"/>
+          <a:chExt cx="0" cy="0"/>
+        </a:xfrm>
+      </p:grpSpPr>
+      <p:sp>
+        <p:nvSpPr>
+          <p:cNvPr id="2" name="Espace réservé de l'image des diapositives 1">
+            <a:extLst>
+              <a:ext uri="{FF2B5EF4-FFF2-40B4-BE49-F238E27FC236}">
+                <a16:creationId xmlns:a16="http://schemas.microsoft.com/office/drawing/2014/main" id="{209E95C8-0A51-BC09-DA93-9A10030AF16C}"/>
+              </a:ext>
+            </a:extLst>
+          </p:cNvPr>
+          <p:cNvSpPr>
+            <a:spLocks noGrp="1" noRot="1" noChangeAspect="1"/>
+          </p:cNvSpPr>
+          <p:nvPr>
+            <p:ph type="sldImg"/>
+          </p:nvPr>
+        </p:nvSpPr>
+        <p:spPr/>
+      </p:sp>
+      <p:sp>
+        <p:nvSpPr>
+          <p:cNvPr id="3" name="Espace réservé des notes 2">
+            <a:extLst>
+              <a:ext uri="{FF2B5EF4-FFF2-40B4-BE49-F238E27FC236}">
+                <a16:creationId xmlns:a16="http://schemas.microsoft.com/office/drawing/2014/main" id="{FD2744DB-DAE7-264F-D074-ACFAE142CB01}"/>
+              </a:ext>
+            </a:extLst>
+          </p:cNvPr>
+          <p:cNvSpPr>
+            <a:spLocks noGrp="1"/>
+          </p:cNvSpPr>
+          <p:nvPr>
+            <p:ph type="body" idx="1"/>
+          </p:nvPr>
+        </p:nvSpPr>
+        <p:spPr/>
+        <p:txBody>
+          <a:bodyPr/>
+          <a:lstStyle/>
+          <a:p>
+            <a:endParaRPr lang="fr-FR" dirty="0"/>
+          </a:p>
+          <a:p>
+            <a:endParaRPr lang="fr-FR" dirty="0"/>
+          </a:p>
+        </p:txBody>
+      </p:sp>
+      <p:sp>
+        <p:nvSpPr>
+          <p:cNvPr id="4" name="Espace réservé du numéro de diapositive 3">
+            <a:extLst>
+              <a:ext uri="{FF2B5EF4-FFF2-40B4-BE49-F238E27FC236}">
+                <a16:creationId xmlns:a16="http://schemas.microsoft.com/office/drawing/2014/main" id="{20CD1370-D8F1-D5FA-6FAB-9C6FE89D6E07}"/>
+              </a:ext>
+            </a:extLst>
+          </p:cNvPr>
+          <p:cNvSpPr>
+            <a:spLocks noGrp="1"/>
+          </p:cNvSpPr>
+          <p:nvPr>
+            <p:ph type="sldNum" sz="quarter" idx="5"/>
+          </p:nvPr>
+        </p:nvSpPr>
+        <p:spPr/>
+        <p:txBody>
+          <a:bodyPr/>
+          <a:lstStyle/>
+          <a:p>
+            <a:fld id="{6BDC53D4-8BF5-4FDD-81EC-7AC957B0D210}" type="slidenum">
+              <a:rPr lang="fr-FR" smtClean="0"/>
+              <a:t>24</a:t>
+            </a:fld>
+            <a:endParaRPr lang="fr-FR"/>
+          </a:p>
+        </p:txBody>
+      </p:sp>
+    </p:spTree>
+    <p:extLst>
+      <p:ext uri="{BB962C8B-B14F-4D97-AF65-F5344CB8AC3E}">
+        <p14:creationId xmlns:p14="http://schemas.microsoft.com/office/powerpoint/2010/main" val="3297294233"/>
+      </p:ext>
+    </p:extLst>
+  </p:cSld>
+  <p:clrMapOvr>
+    <a:masterClrMapping/>
+  </p:clrMapOvr>
+</p:notes>
+</file>
+
+<file path=ppt/notesSlides/notesSlide18.xml><?xml version="1.0" encoding="utf-8"?>
+<p:notes xmlns:a="http://schemas.openxmlformats.org/drawingml/2006/main" xmlns:r="http://schemas.openxmlformats.org/officeDocument/2006/relationships" xmlns:p="http://schemas.openxmlformats.org/presentationml/2006/main">
+  <p:cSld>
+    <p:spTree>
+      <p:nvGrpSpPr>
+        <p:cNvPr id="1" name="">
+          <a:extLst>
+            <a:ext uri="{FF2B5EF4-FFF2-40B4-BE49-F238E27FC236}">
+              <a16:creationId xmlns:a16="http://schemas.microsoft.com/office/drawing/2014/main" id="{8FD2BDF8-4F76-A37C-0653-8E4B9F4BBE15}"/>
+            </a:ext>
+          </a:extLst>
+        </p:cNvPr>
+        <p:cNvGrpSpPr/>
+        <p:nvPr/>
+      </p:nvGrpSpPr>
+      <p:grpSpPr>
+        <a:xfrm>
+          <a:off x="0" y="0"/>
+          <a:ext cx="0" cy="0"/>
+          <a:chOff x="0" y="0"/>
+          <a:chExt cx="0" cy="0"/>
+        </a:xfrm>
+      </p:grpSpPr>
+      <p:sp>
+        <p:nvSpPr>
+          <p:cNvPr id="2" name="Espace réservé de l'image des diapositives 1">
+            <a:extLst>
+              <a:ext uri="{FF2B5EF4-FFF2-40B4-BE49-F238E27FC236}">
+                <a16:creationId xmlns:a16="http://schemas.microsoft.com/office/drawing/2014/main" id="{4436426C-96FF-B404-9D68-11B947251A0C}"/>
+              </a:ext>
+            </a:extLst>
+          </p:cNvPr>
+          <p:cNvSpPr>
+            <a:spLocks noGrp="1" noRot="1" noChangeAspect="1"/>
+          </p:cNvSpPr>
+          <p:nvPr>
+            <p:ph type="sldImg"/>
+          </p:nvPr>
+        </p:nvSpPr>
+        <p:spPr/>
+      </p:sp>
+      <p:sp>
+        <p:nvSpPr>
+          <p:cNvPr id="3" name="Espace réservé des notes 2">
+            <a:extLst>
+              <a:ext uri="{FF2B5EF4-FFF2-40B4-BE49-F238E27FC236}">
+                <a16:creationId xmlns:a16="http://schemas.microsoft.com/office/drawing/2014/main" id="{57B81B70-FB36-0745-30C7-F2D071E67556}"/>
+              </a:ext>
+            </a:extLst>
+          </p:cNvPr>
+          <p:cNvSpPr>
+            <a:spLocks noGrp="1"/>
+          </p:cNvSpPr>
+          <p:nvPr>
+            <p:ph type="body" idx="1"/>
+          </p:nvPr>
+        </p:nvSpPr>
+        <p:spPr/>
+        <p:txBody>
+          <a:bodyPr/>
+          <a:lstStyle/>
+          <a:p>
+            <a:endParaRPr lang="fr-FR" dirty="0"/>
+          </a:p>
+          <a:p>
+            <a:endParaRPr lang="fr-FR" dirty="0"/>
+          </a:p>
+        </p:txBody>
+      </p:sp>
+      <p:sp>
+        <p:nvSpPr>
+          <p:cNvPr id="4" name="Espace réservé du numéro de diapositive 3">
+            <a:extLst>
+              <a:ext uri="{FF2B5EF4-FFF2-40B4-BE49-F238E27FC236}">
+                <a16:creationId xmlns:a16="http://schemas.microsoft.com/office/drawing/2014/main" id="{31A4CB87-6D81-3D52-6851-1E43A0C17B35}"/>
+              </a:ext>
+            </a:extLst>
+          </p:cNvPr>
+          <p:cNvSpPr>
+            <a:spLocks noGrp="1"/>
+          </p:cNvSpPr>
+          <p:nvPr>
+            <p:ph type="sldNum" sz="quarter" idx="5"/>
+          </p:nvPr>
+        </p:nvSpPr>
+        <p:spPr/>
+        <p:txBody>
+          <a:bodyPr/>
+          <a:lstStyle/>
+          <a:p>
+            <a:fld id="{6BDC53D4-8BF5-4FDD-81EC-7AC957B0D210}" type="slidenum">
+              <a:rPr lang="fr-FR" smtClean="0"/>
+              <a:t>25</a:t>
+            </a:fld>
+            <a:endParaRPr lang="fr-FR"/>
+          </a:p>
+        </p:txBody>
+      </p:sp>
+    </p:spTree>
+    <p:extLst>
+      <p:ext uri="{BB962C8B-B14F-4D97-AF65-F5344CB8AC3E}">
+        <p14:creationId xmlns:p14="http://schemas.microsoft.com/office/powerpoint/2010/main" val="4282312980"/>
+      </p:ext>
+    </p:extLst>
+  </p:cSld>
+  <p:clrMapOvr>
+    <a:masterClrMapping/>
+  </p:clrMapOvr>
+</p:notes>
+</file>
+
+<file path=ppt/notesSlides/notesSlide19.xml><?xml version="1.0" encoding="utf-8"?>
+<p:notes xmlns:a="http://schemas.openxmlformats.org/drawingml/2006/main" xmlns:r="http://schemas.openxmlformats.org/officeDocument/2006/relationships" xmlns:p="http://schemas.openxmlformats.org/presentationml/2006/main">
+  <p:cSld>
+    <p:spTree>
+      <p:nvGrpSpPr>
+        <p:cNvPr id="1" name="">
+          <a:extLst>
+            <a:ext uri="{FF2B5EF4-FFF2-40B4-BE49-F238E27FC236}">
+              <a16:creationId xmlns:a16="http://schemas.microsoft.com/office/drawing/2014/main" id="{A93BAD9B-14DF-4C3E-E707-F58F4211F6F8}"/>
+            </a:ext>
+          </a:extLst>
+        </p:cNvPr>
+        <p:cNvGrpSpPr/>
+        <p:nvPr/>
+      </p:nvGrpSpPr>
+      <p:grpSpPr>
+        <a:xfrm>
+          <a:off x="0" y="0"/>
+          <a:ext cx="0" cy="0"/>
+          <a:chOff x="0" y="0"/>
+          <a:chExt cx="0" cy="0"/>
+        </a:xfrm>
+      </p:grpSpPr>
+      <p:sp>
+        <p:nvSpPr>
+          <p:cNvPr id="2" name="Espace réservé de l'image des diapositives 1">
+            <a:extLst>
+              <a:ext uri="{FF2B5EF4-FFF2-40B4-BE49-F238E27FC236}">
+                <a16:creationId xmlns:a16="http://schemas.microsoft.com/office/drawing/2014/main" id="{92BED4FD-7491-6D21-8C07-98307E55FA89}"/>
+              </a:ext>
+            </a:extLst>
+          </p:cNvPr>
+          <p:cNvSpPr>
+            <a:spLocks noGrp="1" noRot="1" noChangeAspect="1"/>
+          </p:cNvSpPr>
+          <p:nvPr>
+            <p:ph type="sldImg"/>
+          </p:nvPr>
+        </p:nvSpPr>
+        <p:spPr/>
+      </p:sp>
+      <p:sp>
+        <p:nvSpPr>
+          <p:cNvPr id="3" name="Espace réservé des notes 2">
+            <a:extLst>
+              <a:ext uri="{FF2B5EF4-FFF2-40B4-BE49-F238E27FC236}">
+                <a16:creationId xmlns:a16="http://schemas.microsoft.com/office/drawing/2014/main" id="{7C0F47A8-C0A9-6640-05FE-D2770DAA8987}"/>
+              </a:ext>
+            </a:extLst>
+          </p:cNvPr>
+          <p:cNvSpPr>
+            <a:spLocks noGrp="1"/>
+          </p:cNvSpPr>
+          <p:nvPr>
+            <p:ph type="body" idx="1"/>
+          </p:nvPr>
+        </p:nvSpPr>
+        <p:spPr/>
+        <p:txBody>
+          <a:bodyPr/>
+          <a:lstStyle/>
+          <a:p>
+            <a:endParaRPr lang="fr-FR" dirty="0"/>
+          </a:p>
+          <a:p>
+            <a:endParaRPr lang="fr-FR" dirty="0"/>
+          </a:p>
+        </p:txBody>
+      </p:sp>
+      <p:sp>
+        <p:nvSpPr>
+          <p:cNvPr id="4" name="Espace réservé du numéro de diapositive 3">
+            <a:extLst>
+              <a:ext uri="{FF2B5EF4-FFF2-40B4-BE49-F238E27FC236}">
+                <a16:creationId xmlns:a16="http://schemas.microsoft.com/office/drawing/2014/main" id="{965384E1-86E4-1AFF-784B-2668333597DA}"/>
+              </a:ext>
+            </a:extLst>
+          </p:cNvPr>
+          <p:cNvSpPr>
+            <a:spLocks noGrp="1"/>
+          </p:cNvSpPr>
+          <p:nvPr>
+            <p:ph type="sldNum" sz="quarter" idx="5"/>
+          </p:nvPr>
+        </p:nvSpPr>
+        <p:spPr/>
+        <p:txBody>
+          <a:bodyPr/>
+          <a:lstStyle/>
+          <a:p>
+            <a:fld id="{6BDC53D4-8BF5-4FDD-81EC-7AC957B0D210}" type="slidenum">
+              <a:rPr lang="fr-FR" smtClean="0"/>
+              <a:t>26</a:t>
+            </a:fld>
+            <a:endParaRPr lang="fr-FR"/>
+          </a:p>
+        </p:txBody>
+      </p:sp>
+    </p:spTree>
+    <p:extLst>
+      <p:ext uri="{BB962C8B-B14F-4D97-AF65-F5344CB8AC3E}">
+        <p14:creationId xmlns:p14="http://schemas.microsoft.com/office/powerpoint/2010/main" val="3163372777"/>
+      </p:ext>
+    </p:extLst>
+  </p:cSld>
+  <p:clrMapOvr>
+    <a:masterClrMapping/>
+  </p:clrMapOvr>
+</p:notes>
+</file>
+
 <file path=ppt/notesSlides/notesSlide2.xml><?xml version="1.0" encoding="utf-8"?>
 <p:notes xmlns:a="http://schemas.openxmlformats.org/drawingml/2006/main" xmlns:r="http://schemas.openxmlformats.org/officeDocument/2006/relationships" xmlns:p="http://schemas.openxmlformats.org/presentationml/2006/main">
   <p:cSld>
@@ -1486,6 +1824,117 @@
     <p:extLst>
       <p:ext uri="{BB962C8B-B14F-4D97-AF65-F5344CB8AC3E}">
         <p14:creationId xmlns:p14="http://schemas.microsoft.com/office/powerpoint/2010/main" val="2884920387"/>
+      </p:ext>
+    </p:extLst>
+  </p:cSld>
+  <p:clrMapOvr>
+    <a:masterClrMapping/>
+  </p:clrMapOvr>
+</p:notes>
+</file>
+
+<file path=ppt/notesSlides/notesSlide20.xml><?xml version="1.0" encoding="utf-8"?>
+<p:notes xmlns:a="http://schemas.openxmlformats.org/drawingml/2006/main" xmlns:r="http://schemas.openxmlformats.org/officeDocument/2006/relationships" xmlns:p="http://schemas.openxmlformats.org/presentationml/2006/main">
+  <p:cSld>
+    <p:spTree>
+      <p:nvGrpSpPr>
+        <p:cNvPr id="1" name="">
+          <a:extLst>
+            <a:ext uri="{FF2B5EF4-FFF2-40B4-BE49-F238E27FC236}">
+              <a16:creationId xmlns:a16="http://schemas.microsoft.com/office/drawing/2014/main" id="{30B74EA3-1E76-3BCE-8770-908EB38BBC35}"/>
+            </a:ext>
+          </a:extLst>
+        </p:cNvPr>
+        <p:cNvGrpSpPr/>
+        <p:nvPr/>
+      </p:nvGrpSpPr>
+      <p:grpSpPr>
+        <a:xfrm>
+          <a:off x="0" y="0"/>
+          <a:ext cx="0" cy="0"/>
+          <a:chOff x="0" y="0"/>
+          <a:chExt cx="0" cy="0"/>
+        </a:xfrm>
+      </p:grpSpPr>
+      <p:sp>
+        <p:nvSpPr>
+          <p:cNvPr id="2" name="Espace réservé de l'image des diapositives 1">
+            <a:extLst>
+              <a:ext uri="{FF2B5EF4-FFF2-40B4-BE49-F238E27FC236}">
+                <a16:creationId xmlns:a16="http://schemas.microsoft.com/office/drawing/2014/main" id="{7B839A77-C167-5727-66BD-12749BD38275}"/>
+              </a:ext>
+            </a:extLst>
+          </p:cNvPr>
+          <p:cNvSpPr>
+            <a:spLocks noGrp="1" noRot="1" noChangeAspect="1"/>
+          </p:cNvSpPr>
+          <p:nvPr>
+            <p:ph type="sldImg"/>
+          </p:nvPr>
+        </p:nvSpPr>
+        <p:spPr/>
+      </p:sp>
+      <p:sp>
+        <p:nvSpPr>
+          <p:cNvPr id="3" name="Espace réservé des notes 2">
+            <a:extLst>
+              <a:ext uri="{FF2B5EF4-FFF2-40B4-BE49-F238E27FC236}">
+                <a16:creationId xmlns:a16="http://schemas.microsoft.com/office/drawing/2014/main" id="{346C5B7E-93B6-23C5-E075-B9E5D4C671E9}"/>
+              </a:ext>
+            </a:extLst>
+          </p:cNvPr>
+          <p:cNvSpPr>
+            <a:spLocks noGrp="1"/>
+          </p:cNvSpPr>
+          <p:nvPr>
+            <p:ph type="body" idx="1"/>
+          </p:nvPr>
+        </p:nvSpPr>
+        <p:spPr/>
+        <p:txBody>
+          <a:bodyPr/>
+          <a:lstStyle/>
+          <a:p>
+            <a:endParaRPr lang="fr-FR" dirty="0"/>
+          </a:p>
+          <a:p>
+            <a:endParaRPr lang="fr-FR" dirty="0"/>
+          </a:p>
+        </p:txBody>
+      </p:sp>
+      <p:sp>
+        <p:nvSpPr>
+          <p:cNvPr id="4" name="Espace réservé du numéro de diapositive 3">
+            <a:extLst>
+              <a:ext uri="{FF2B5EF4-FFF2-40B4-BE49-F238E27FC236}">
+                <a16:creationId xmlns:a16="http://schemas.microsoft.com/office/drawing/2014/main" id="{0E43F762-94B0-2851-87D1-F68515C8D2A8}"/>
+              </a:ext>
+            </a:extLst>
+          </p:cNvPr>
+          <p:cNvSpPr>
+            <a:spLocks noGrp="1"/>
+          </p:cNvSpPr>
+          <p:nvPr>
+            <p:ph type="sldNum" sz="quarter" idx="5"/>
+          </p:nvPr>
+        </p:nvSpPr>
+        <p:spPr/>
+        <p:txBody>
+          <a:bodyPr/>
+          <a:lstStyle/>
+          <a:p>
+            <a:fld id="{6BDC53D4-8BF5-4FDD-81EC-7AC957B0D210}" type="slidenum">
+              <a:rPr lang="fr-FR" smtClean="0"/>
+              <a:t>27</a:t>
+            </a:fld>
+            <a:endParaRPr lang="fr-FR"/>
+          </a:p>
+        </p:txBody>
+      </p:sp>
+    </p:spTree>
+    <p:extLst>
+      <p:ext uri="{BB962C8B-B14F-4D97-AF65-F5344CB8AC3E}">
+        <p14:creationId xmlns:p14="http://schemas.microsoft.com/office/powerpoint/2010/main" val="1528974380"/>
       </p:ext>
     </p:extLst>
   </p:cSld>
@@ -2428,7 +2877,7 @@
           <a:p>
             <a:fld id="{02AC24A9-CCB6-4F8D-B8DB-C2F3692CFA5A}" type="datetimeFigureOut">
               <a:rPr lang="en-US" smtClean="0"/>
-              <a:t>1/25/2025</a:t>
+              <a:t>1/27/2025</a:t>
             </a:fld>
             <a:endParaRPr lang="en-US" dirty="0"/>
           </a:p>
@@ -2798,7 +3247,7 @@
           <a:p>
             <a:fld id="{02AC24A9-CCB6-4F8D-B8DB-C2F3692CFA5A}" type="datetimeFigureOut">
               <a:rPr lang="en-US" smtClean="0"/>
-              <a:t>1/25/2025</a:t>
+              <a:t>1/27/2025</a:t>
             </a:fld>
             <a:endParaRPr lang="en-US"/>
           </a:p>
@@ -3007,7 +3456,7 @@
           <a:p>
             <a:fld id="{02AC24A9-CCB6-4F8D-B8DB-C2F3692CFA5A}" type="datetimeFigureOut">
               <a:rPr lang="en-US" smtClean="0"/>
-              <a:t>1/25/2025</a:t>
+              <a:t>1/27/2025</a:t>
             </a:fld>
             <a:endParaRPr lang="en-US"/>
           </a:p>
@@ -3477,7 +3926,7 @@
           <a:p>
             <a:fld id="{02AC24A9-CCB6-4F8D-B8DB-C2F3692CFA5A}" type="datetimeFigureOut">
               <a:rPr lang="en-US" smtClean="0"/>
-              <a:t>1/25/2025</a:t>
+              <a:t>1/27/2025</a:t>
             </a:fld>
             <a:endParaRPr lang="en-US"/>
           </a:p>
@@ -3931,7 +4380,7 @@
           <a:p>
             <a:fld id="{02AC24A9-CCB6-4F8D-B8DB-C2F3692CFA5A}" type="datetimeFigureOut">
               <a:rPr lang="en-US" smtClean="0"/>
-              <a:t>1/25/2025</a:t>
+              <a:t>1/27/2025</a:t>
             </a:fld>
             <a:endParaRPr lang="en-US"/>
           </a:p>
@@ -4463,7 +4912,7 @@
           <a:p>
             <a:fld id="{02AC24A9-CCB6-4F8D-B8DB-C2F3692CFA5A}" type="datetimeFigureOut">
               <a:rPr lang="en-US" smtClean="0"/>
-              <a:t>1/25/2025</a:t>
+              <a:t>1/27/2025</a:t>
             </a:fld>
             <a:endParaRPr lang="en-US"/>
           </a:p>
@@ -5162,7 +5611,7 @@
           <a:p>
             <a:fld id="{02AC24A9-CCB6-4F8D-B8DB-C2F3692CFA5A}" type="datetimeFigureOut">
               <a:rPr lang="en-US" smtClean="0"/>
-              <a:t>1/25/2025</a:t>
+              <a:t>1/27/2025</a:t>
             </a:fld>
             <a:endParaRPr lang="en-US"/>
           </a:p>
@@ -5491,7 +5940,7 @@
           <a:p>
             <a:fld id="{02AC24A9-CCB6-4F8D-B8DB-C2F3692CFA5A}" type="datetimeFigureOut">
               <a:rPr lang="en-US" smtClean="0"/>
-              <a:t>1/25/2025</a:t>
+              <a:t>1/27/2025</a:t>
             </a:fld>
             <a:endParaRPr lang="en-US"/>
           </a:p>
@@ -5604,7 +6053,7 @@
           <a:p>
             <a:fld id="{02AC24A9-CCB6-4F8D-B8DB-C2F3692CFA5A}" type="datetimeFigureOut">
               <a:rPr lang="en-US" smtClean="0"/>
-              <a:t>1/25/2025</a:t>
+              <a:t>1/27/2025</a:t>
             </a:fld>
             <a:endParaRPr lang="en-US"/>
           </a:p>
@@ -6099,7 +6548,7 @@
           <a:p>
             <a:fld id="{02AC24A9-CCB6-4F8D-B8DB-C2F3692CFA5A}" type="datetimeFigureOut">
               <a:rPr lang="en-US" smtClean="0"/>
-              <a:t>1/25/2025</a:t>
+              <a:t>1/27/2025</a:t>
             </a:fld>
             <a:endParaRPr lang="en-US" dirty="0"/>
           </a:p>
@@ -6576,7 +7025,7 @@
           <a:p>
             <a:fld id="{02AC24A9-CCB6-4F8D-B8DB-C2F3692CFA5A}" type="datetimeFigureOut">
               <a:rPr lang="en-US" smtClean="0"/>
-              <a:t>1/25/2025</a:t>
+              <a:t>1/27/2025</a:t>
             </a:fld>
             <a:endParaRPr lang="en-US"/>
           </a:p>
@@ -6819,7 +7268,7 @@
           <a:p>
             <a:fld id="{02AC24A9-CCB6-4F8D-B8DB-C2F3692CFA5A}" type="datetimeFigureOut">
               <a:rPr lang="en-US" smtClean="0"/>
-              <a:t>1/25/2025</a:t>
+              <a:t>1/27/2025</a:t>
             </a:fld>
             <a:endParaRPr lang="en-US"/>
           </a:p>
@@ -8499,10 +8948,10 @@
       </p:sp>
       <p:sp>
         <p:nvSpPr>
-          <p:cNvPr id="5" name="ZoneTexte 4">
-            <a:extLst>
-              <a:ext uri="{FF2B5EF4-FFF2-40B4-BE49-F238E27FC236}">
-                <a16:creationId xmlns:a16="http://schemas.microsoft.com/office/drawing/2014/main" id="{5DA31CDA-B64A-1643-88AC-765901E0C389}"/>
+          <p:cNvPr id="6" name="ZoneTexte 5">
+            <a:extLst>
+              <a:ext uri="{FF2B5EF4-FFF2-40B4-BE49-F238E27FC236}">
+                <a16:creationId xmlns:a16="http://schemas.microsoft.com/office/drawing/2014/main" id="{2382C3E2-11B4-C8EB-3FE6-A08861539545}"/>
               </a:ext>
             </a:extLst>
           </p:cNvPr>
@@ -8526,14 +8975,15 @@
           <a:lstStyle/>
           <a:p>
             <a:r>
-              <a:rPr lang="fr-FR" sz="1200" i="0" dirty="0">
-                <a:solidFill>
-                  <a:srgbClr val="0A3260"/>
-                </a:solidFill>
+              <a:rPr lang="fr-FR" sz="1200" dirty="0"/>
+              <a:t>Groupes de travail IOGS depuis février 2022:  </a:t>
+            </a:r>
+            <a:r>
+              <a:rPr lang="fr-FR" sz="1200" dirty="0">
                 <a:effectLst/>
-                <a:latin typeface="Montserrat" panose="00000500000000000000" pitchFamily="2" charset="0"/>
+                <a:hlinkClick r:id="rId5"/>
               </a:rPr>
-              <a:t>Travail coordonné et synthétisé par Fabienne BERNARD (IOGS) </a:t>
+              <a:t>tinyurl.com/APC-IOGS</a:t>
             </a:r>
             <a:endParaRPr lang="fr-FR" sz="1200" dirty="0"/>
           </a:p>
@@ -12076,16 +12526,16 @@
             <a:r>
               <a:rPr lang="fr-FR" sz="2000" b="1" i="0" dirty="0">
                 <a:solidFill>
-                  <a:srgbClr val="7030A0"/>
+                  <a:srgbClr val="671137"/>
                 </a:solidFill>
                 <a:effectLst/>
                 <a:latin typeface="Montserrat" panose="00000500000000000000" pitchFamily="2" charset="0"/>
               </a:rPr>
-              <a:t>Quelques exemples en 2A Palaiseau</a:t>
+              <a:t>Exemple en 2A Palaiseau</a:t>
             </a:r>
             <a:endParaRPr lang="fr-FR" sz="2400" b="1" dirty="0">
               <a:solidFill>
-                <a:srgbClr val="7030A0"/>
+                <a:srgbClr val="671137"/>
               </a:solidFill>
               <a:effectLst/>
               <a:latin typeface="Montserrat" panose="00000500000000000000" pitchFamily="2" charset="0"/>
@@ -12114,7 +12564,7 @@
             <a:avLst/>
           </a:prstGeom>
           <a:solidFill>
-            <a:srgbClr val="7030A0"/>
+            <a:srgbClr val="671137"/>
           </a:solidFill>
           <a:ln>
             <a:noFill/>
@@ -12187,7 +12637,7 @@
             </a:r>
             <a:r>
               <a:rPr lang="fr-FR" sz="2800" dirty="0" err="1"/>
-              <a:t>DéPHi</a:t>
+              <a:t>DEPHi</a:t>
             </a:r>
             <a:endParaRPr lang="fr-FR" sz="2800" dirty="0"/>
           </a:p>
@@ -15249,7 +15699,7 @@
             <a:r>
               <a:rPr lang="fr-FR" sz="2000" b="1" dirty="0">
                 <a:solidFill>
-                  <a:srgbClr val="7030A0"/>
+                  <a:srgbClr val="671137"/>
                 </a:solidFill>
                 <a:latin typeface="Montserrat" panose="00000500000000000000" pitchFamily="2" charset="0"/>
               </a:rPr>
@@ -15257,7 +15707,7 @@
             </a:r>
             <a:endParaRPr lang="fr-FR" sz="2400" b="1" dirty="0">
               <a:solidFill>
-                <a:srgbClr val="7030A0"/>
+                <a:srgbClr val="671137"/>
               </a:solidFill>
               <a:effectLst/>
               <a:latin typeface="Montserrat" panose="00000500000000000000" pitchFamily="2" charset="0"/>
@@ -15286,7 +15736,7 @@
             <a:avLst/>
           </a:prstGeom>
           <a:solidFill>
-            <a:srgbClr val="7030A0"/>
+            <a:srgbClr val="671137"/>
           </a:solidFill>
           <a:ln>
             <a:noFill/>
@@ -16605,7 +17055,7 @@
             <a:r>
               <a:rPr lang="fr-FR" sz="2000" b="1" dirty="0">
                 <a:solidFill>
-                  <a:srgbClr val="7030A0"/>
+                  <a:srgbClr val="671137"/>
                 </a:solidFill>
                 <a:latin typeface="Montserrat" panose="00000500000000000000" pitchFamily="2" charset="0"/>
               </a:rPr>
@@ -16613,7 +17063,7 @@
             </a:r>
             <a:endParaRPr lang="fr-FR" sz="2400" b="1" dirty="0">
               <a:solidFill>
-                <a:srgbClr val="7030A0"/>
+                <a:srgbClr val="671137"/>
               </a:solidFill>
               <a:effectLst/>
               <a:latin typeface="Montserrat" panose="00000500000000000000" pitchFamily="2" charset="0"/>
@@ -16642,7 +17092,7 @@
             <a:avLst/>
           </a:prstGeom>
           <a:solidFill>
-            <a:srgbClr val="7030A0"/>
+            <a:srgbClr val="671137"/>
           </a:solidFill>
           <a:ln>
             <a:noFill/>
@@ -16681,6 +17131,3123 @@
     <p:extLst>
       <p:ext uri="{BB962C8B-B14F-4D97-AF65-F5344CB8AC3E}">
         <p14:creationId xmlns:p14="http://schemas.microsoft.com/office/powerpoint/2010/main" val="2477833205"/>
+      </p:ext>
+    </p:extLst>
+  </p:cSld>
+  <p:clrMapOvr>
+    <a:masterClrMapping/>
+  </p:clrMapOvr>
+</p:sld>
+</file>
+
+<file path=ppt/slides/slide23.xml><?xml version="1.0" encoding="utf-8"?>
+<p:sld xmlns:a="http://schemas.openxmlformats.org/drawingml/2006/main" xmlns:r="http://schemas.openxmlformats.org/officeDocument/2006/relationships" xmlns:p="http://schemas.openxmlformats.org/presentationml/2006/main">
+  <p:cSld>
+    <p:bg>
+      <p:bgPr>
+        <a:solidFill>
+          <a:schemeClr val="bg1"/>
+        </a:solidFill>
+        <a:effectLst/>
+      </p:bgPr>
+    </p:bg>
+    <p:spTree>
+      <p:nvGrpSpPr>
+        <p:cNvPr id="1" name="">
+          <a:extLst>
+            <a:ext uri="{FF2B5EF4-FFF2-40B4-BE49-F238E27FC236}">
+              <a16:creationId xmlns:a16="http://schemas.microsoft.com/office/drawing/2014/main" id="{A41F0089-55EA-E023-F994-C0843E532CCF}"/>
+            </a:ext>
+          </a:extLst>
+        </p:cNvPr>
+        <p:cNvGrpSpPr/>
+        <p:nvPr/>
+      </p:nvGrpSpPr>
+      <p:grpSpPr>
+        <a:xfrm>
+          <a:off x="0" y="0"/>
+          <a:ext cx="0" cy="0"/>
+          <a:chOff x="0" y="0"/>
+          <a:chExt cx="0" cy="0"/>
+        </a:xfrm>
+      </p:grpSpPr>
+      <p:sp useBgFill="1">
+        <p:nvSpPr>
+          <p:cNvPr id="9" name="Rectangle 8">
+            <a:extLst>
+              <a:ext uri="{FF2B5EF4-FFF2-40B4-BE49-F238E27FC236}">
+                <a16:creationId xmlns:a16="http://schemas.microsoft.com/office/drawing/2014/main" id="{996CB826-5895-1ECD-18AF-F9F537EBBB7D}"/>
+              </a:ext>
+              <a:ext uri="{C183D7F6-B498-43B3-948B-1728B52AA6E4}">
+                <adec:decorative xmlns:adec="http://schemas.microsoft.com/office/drawing/2017/decorative" val="1"/>
+              </a:ext>
+            </a:extLst>
+          </p:cNvPr>
+          <p:cNvSpPr>
+            <a:spLocks noGrp="1" noRot="1" noChangeAspect="1" noMove="1" noResize="1" noEditPoints="1" noAdjustHandles="1" noChangeArrowheads="1" noChangeShapeType="1" noTextEdit="1"/>
+          </p:cNvSpPr>
+          <p:nvPr>
+            <p:extLst>
+              <p:ext uri="{386F3935-93C4-4BCD-93E2-E3B085C9AB24}">
+                <p16:designElem xmlns:p16="http://schemas.microsoft.com/office/powerpoint/2015/main" val="1"/>
+              </p:ext>
+            </p:extLst>
+          </p:nvPr>
+        </p:nvSpPr>
+        <p:spPr>
+          <a:xfrm>
+            <a:off x="0" y="0"/>
+            <a:ext cx="12192000" cy="6858000"/>
+          </a:xfrm>
+          <a:prstGeom prst="rect">
+            <a:avLst/>
+          </a:prstGeom>
+          <a:ln>
+            <a:noFill/>
+          </a:ln>
+        </p:spPr>
+        <p:style>
+          <a:lnRef idx="2">
+            <a:schemeClr val="accent1">
+              <a:shade val="50000"/>
+            </a:schemeClr>
+          </a:lnRef>
+          <a:fillRef idx="1">
+            <a:schemeClr val="accent1"/>
+          </a:fillRef>
+          <a:effectRef idx="0">
+            <a:schemeClr val="accent1"/>
+          </a:effectRef>
+          <a:fontRef idx="minor">
+            <a:schemeClr val="lt1"/>
+          </a:fontRef>
+        </p:style>
+        <p:txBody>
+          <a:bodyPr rtlCol="0" anchor="ctr"/>
+          <a:lstStyle/>
+          <a:p>
+            <a:pPr algn="ctr"/>
+            <a:endParaRPr lang="en-US"/>
+          </a:p>
+        </p:txBody>
+      </p:sp>
+      <p:pic>
+        <p:nvPicPr>
+          <p:cNvPr id="4" name="Picture 3">
+            <a:extLst>
+              <a:ext uri="{FF2B5EF4-FFF2-40B4-BE49-F238E27FC236}">
+                <a16:creationId xmlns:a16="http://schemas.microsoft.com/office/drawing/2014/main" id="{0F059D4F-4596-28FC-77BF-D2E09802A9BF}"/>
+              </a:ext>
+            </a:extLst>
+          </p:cNvPr>
+          <p:cNvPicPr>
+            <a:picLocks noChangeAspect="1"/>
+          </p:cNvPicPr>
+          <p:nvPr/>
+        </p:nvPicPr>
+        <p:blipFill rotWithShape="1">
+          <a:blip r:embed="rId2"/>
+          <a:srcRect t="11669" r="-1" b="426"/>
+          <a:stretch/>
+        </p:blipFill>
+        <p:spPr>
+          <a:xfrm>
+            <a:off x="-2" y="10"/>
+            <a:ext cx="8668512" cy="6857990"/>
+          </a:xfrm>
+          <a:prstGeom prst="rect">
+            <a:avLst/>
+          </a:prstGeom>
+        </p:spPr>
+      </p:pic>
+      <p:sp>
+        <p:nvSpPr>
+          <p:cNvPr id="11" name="Rectangle 10">
+            <a:extLst>
+              <a:ext uri="{FF2B5EF4-FFF2-40B4-BE49-F238E27FC236}">
+                <a16:creationId xmlns:a16="http://schemas.microsoft.com/office/drawing/2014/main" id="{B4102762-7763-3106-CBDE-45FA9E7DC3C5}"/>
+              </a:ext>
+              <a:ext uri="{C183D7F6-B498-43B3-948B-1728B52AA6E4}">
+                <adec:decorative xmlns:adec="http://schemas.microsoft.com/office/drawing/2017/decorative" val="1"/>
+              </a:ext>
+            </a:extLst>
+          </p:cNvPr>
+          <p:cNvSpPr>
+            <a:spLocks noGrp="1" noRot="1" noChangeAspect="1" noMove="1" noResize="1" noEditPoints="1" noAdjustHandles="1" noChangeArrowheads="1" noChangeShapeType="1" noTextEdit="1"/>
+          </p:cNvSpPr>
+          <p:nvPr>
+            <p:extLst>
+              <p:ext uri="{386F3935-93C4-4BCD-93E2-E3B085C9AB24}">
+                <p16:designElem xmlns:p16="http://schemas.microsoft.com/office/powerpoint/2015/main" val="1"/>
+              </p:ext>
+            </p:extLst>
+          </p:nvPr>
+        </p:nvSpPr>
+        <p:spPr>
+          <a:xfrm flipH="1">
+            <a:off x="2788244" y="0"/>
+            <a:ext cx="9403756" cy="6858000"/>
+          </a:xfrm>
+          <a:prstGeom prst="rect">
+            <a:avLst/>
+          </a:prstGeom>
+          <a:gradFill>
+            <a:gsLst>
+              <a:gs pos="58000">
+                <a:schemeClr val="bg1"/>
+              </a:gs>
+              <a:gs pos="30000">
+                <a:schemeClr val="bg1">
+                  <a:alpha val="64000"/>
+                </a:schemeClr>
+              </a:gs>
+              <a:gs pos="0">
+                <a:schemeClr val="bg1">
+                  <a:alpha val="0"/>
+                </a:schemeClr>
+              </a:gs>
+              <a:gs pos="100000">
+                <a:schemeClr val="bg1"/>
+              </a:gs>
+            </a:gsLst>
+            <a:lin ang="10800000" scaled="0"/>
+          </a:gradFill>
+          <a:ln>
+            <a:noFill/>
+          </a:ln>
+        </p:spPr>
+        <p:style>
+          <a:lnRef idx="2">
+            <a:schemeClr val="accent1">
+              <a:shade val="50000"/>
+            </a:schemeClr>
+          </a:lnRef>
+          <a:fillRef idx="1">
+            <a:schemeClr val="accent1"/>
+          </a:fillRef>
+          <a:effectRef idx="0">
+            <a:schemeClr val="accent1"/>
+          </a:effectRef>
+          <a:fontRef idx="minor">
+            <a:schemeClr val="lt1"/>
+          </a:fontRef>
+        </p:style>
+        <p:txBody>
+          <a:bodyPr rtlCol="0" anchor="ctr"/>
+          <a:lstStyle/>
+          <a:p>
+            <a:pPr algn="ctr"/>
+            <a:endParaRPr lang="en-US" dirty="0"/>
+          </a:p>
+        </p:txBody>
+      </p:sp>
+      <p:sp>
+        <p:nvSpPr>
+          <p:cNvPr id="2" name="Titre 1">
+            <a:extLst>
+              <a:ext uri="{FF2B5EF4-FFF2-40B4-BE49-F238E27FC236}">
+                <a16:creationId xmlns:a16="http://schemas.microsoft.com/office/drawing/2014/main" id="{F459D916-0CB8-7DED-389E-A704E1790079}"/>
+              </a:ext>
+            </a:extLst>
+          </p:cNvPr>
+          <p:cNvSpPr>
+            <a:spLocks noGrp="1"/>
+          </p:cNvSpPr>
+          <p:nvPr>
+            <p:ph type="ctrTitle"/>
+          </p:nvPr>
+        </p:nvSpPr>
+        <p:spPr>
+          <a:xfrm>
+            <a:off x="7848600" y="1122363"/>
+            <a:ext cx="4023360" cy="3204134"/>
+          </a:xfrm>
+        </p:spPr>
+        <p:txBody>
+          <a:bodyPr anchor="b">
+            <a:normAutofit/>
+          </a:bodyPr>
+          <a:lstStyle/>
+          <a:p>
+            <a:br>
+              <a:rPr lang="fr-FR" sz="4800" dirty="0">
+                <a:latin typeface="Bahnschrift SemiBold" panose="020B0502040204020203" pitchFamily="34" charset="0"/>
+              </a:rPr>
+            </a:br>
+            <a:r>
+              <a:rPr lang="fr-FR" sz="4800" dirty="0">
+                <a:latin typeface="Bahnschrift SemiBold" panose="020B0502040204020203" pitchFamily="34" charset="0"/>
+              </a:rPr>
+              <a:t>Etude de cas</a:t>
+            </a:r>
+          </a:p>
+        </p:txBody>
+      </p:sp>
+      <p:sp>
+        <p:nvSpPr>
+          <p:cNvPr id="3" name="Sous-titre 2">
+            <a:extLst>
+              <a:ext uri="{FF2B5EF4-FFF2-40B4-BE49-F238E27FC236}">
+                <a16:creationId xmlns:a16="http://schemas.microsoft.com/office/drawing/2014/main" id="{75F0ED82-CBB9-D386-4C88-4E4462020C02}"/>
+              </a:ext>
+            </a:extLst>
+          </p:cNvPr>
+          <p:cNvSpPr>
+            <a:spLocks noGrp="1"/>
+          </p:cNvSpPr>
+          <p:nvPr>
+            <p:ph type="subTitle" idx="1"/>
+          </p:nvPr>
+        </p:nvSpPr>
+        <p:spPr>
+          <a:xfrm>
+            <a:off x="7848600" y="4872922"/>
+            <a:ext cx="4023360" cy="1208141"/>
+          </a:xfrm>
+        </p:spPr>
+        <p:txBody>
+          <a:bodyPr>
+            <a:normAutofit/>
+          </a:bodyPr>
+          <a:lstStyle/>
+          <a:p>
+            <a:r>
+              <a:rPr lang="fr-FR" sz="2000" dirty="0" err="1">
+                <a:latin typeface="Bahnschrift Light" panose="020B0502040204020203" pitchFamily="34" charset="0"/>
+              </a:rPr>
+              <a:t>IntNum</a:t>
+            </a:r>
+            <a:r>
+              <a:rPr lang="fr-FR" sz="2000" dirty="0">
+                <a:latin typeface="Bahnschrift Light" panose="020B0502040204020203" pitchFamily="34" charset="0"/>
+              </a:rPr>
+              <a:t> / Semestre 6 </a:t>
+            </a:r>
+            <a:br>
+              <a:rPr lang="fr-FR" sz="2000" dirty="0">
+                <a:latin typeface="Bahnschrift Light" panose="020B0502040204020203" pitchFamily="34" charset="0"/>
+              </a:rPr>
+            </a:br>
+            <a:r>
+              <a:rPr lang="fr-FR" sz="2000" dirty="0">
+                <a:latin typeface="Bahnschrift Light" panose="020B0502040204020203" pitchFamily="34" charset="0"/>
+              </a:rPr>
+              <a:t>Institut d’Optique</a:t>
+            </a:r>
+          </a:p>
+        </p:txBody>
+      </p:sp>
+      <p:sp>
+        <p:nvSpPr>
+          <p:cNvPr id="32" name="Rectangle 12">
+            <a:extLst>
+              <a:ext uri="{FF2B5EF4-FFF2-40B4-BE49-F238E27FC236}">
+                <a16:creationId xmlns:a16="http://schemas.microsoft.com/office/drawing/2014/main" id="{F0285C5E-6083-7E65-E853-E440BCEAC97D}"/>
+              </a:ext>
+              <a:ext uri="{C183D7F6-B498-43B3-948B-1728B52AA6E4}">
+                <adec:decorative xmlns:adec="http://schemas.microsoft.com/office/drawing/2017/decorative" val="1"/>
+              </a:ext>
+            </a:extLst>
+          </p:cNvPr>
+          <p:cNvSpPr>
+            <a:spLocks noGrp="1" noRot="1" noChangeAspect="1" noMove="1" noResize="1" noEditPoints="1" noAdjustHandles="1" noChangeArrowheads="1" noChangeShapeType="1" noTextEdit="1"/>
+          </p:cNvSpPr>
+          <p:nvPr>
+            <p:extLst>
+              <p:ext uri="{386F3935-93C4-4BCD-93E2-E3B085C9AB24}">
+                <p16:designElem xmlns:p16="http://schemas.microsoft.com/office/powerpoint/2015/main" val="1"/>
+              </p:ext>
+            </p:extLst>
+          </p:nvPr>
+        </p:nvSpPr>
+        <p:spPr>
+          <a:xfrm rot="5400000">
+            <a:off x="8130540" y="346791"/>
+            <a:ext cx="146304" cy="704088"/>
+          </a:xfrm>
+          <a:prstGeom prst="rect">
+            <a:avLst/>
+          </a:prstGeom>
+          <a:solidFill>
+            <a:schemeClr val="accent1"/>
+          </a:solidFill>
+          <a:ln>
+            <a:noFill/>
+          </a:ln>
+        </p:spPr>
+        <p:style>
+          <a:lnRef idx="2">
+            <a:schemeClr val="accent1">
+              <a:shade val="50000"/>
+            </a:schemeClr>
+          </a:lnRef>
+          <a:fillRef idx="1">
+            <a:schemeClr val="accent1"/>
+          </a:fillRef>
+          <a:effectRef idx="0">
+            <a:schemeClr val="accent1"/>
+          </a:effectRef>
+          <a:fontRef idx="minor">
+            <a:schemeClr val="lt1"/>
+          </a:fontRef>
+        </p:style>
+        <p:txBody>
+          <a:bodyPr rtlCol="0" anchor="ctr"/>
+          <a:lstStyle/>
+          <a:p>
+            <a:pPr marL="0" marR="0" lvl="0" indent="0" algn="ctr" defTabSz="914400" rtl="0" eaLnBrk="1" fontAlgn="auto" latinLnBrk="0" hangingPunct="1">
+              <a:lnSpc>
+                <a:spcPct val="100000"/>
+              </a:lnSpc>
+              <a:spcBef>
+                <a:spcPts val="0"/>
+              </a:spcBef>
+              <a:spcAft>
+                <a:spcPts val="0"/>
+              </a:spcAft>
+              <a:buClrTx/>
+              <a:buSzTx/>
+              <a:buFontTx/>
+              <a:buNone/>
+              <a:tabLst/>
+              <a:defRPr/>
+            </a:pPr>
+            <a:endParaRPr kumimoji="0" lang="en-US" sz="1800" b="0" i="0" u="none" strike="noStrike" kern="1200" cap="none" spc="0" normalizeH="0" baseline="0" noProof="0">
+              <a:ln>
+                <a:noFill/>
+              </a:ln>
+              <a:solidFill>
+                <a:prstClr val="white"/>
+              </a:solidFill>
+              <a:effectLst/>
+              <a:uLnTx/>
+              <a:uFillTx/>
+              <a:latin typeface="Calibri" panose="020F0502020204030204"/>
+              <a:ea typeface="+mn-ea"/>
+              <a:cs typeface="+mn-cs"/>
+            </a:endParaRPr>
+          </a:p>
+        </p:txBody>
+      </p:sp>
+      <p:sp>
+        <p:nvSpPr>
+          <p:cNvPr id="33" name="Rectangle 14">
+            <a:extLst>
+              <a:ext uri="{FF2B5EF4-FFF2-40B4-BE49-F238E27FC236}">
+                <a16:creationId xmlns:a16="http://schemas.microsoft.com/office/drawing/2014/main" id="{5EA16D01-457B-9480-FC7D-023B44961ABD}"/>
+              </a:ext>
+              <a:ext uri="{C183D7F6-B498-43B3-948B-1728B52AA6E4}">
+                <adec:decorative xmlns:adec="http://schemas.microsoft.com/office/drawing/2017/decorative" val="1"/>
+              </a:ext>
+            </a:extLst>
+          </p:cNvPr>
+          <p:cNvSpPr>
+            <a:spLocks noGrp="1" noRot="1" noChangeAspect="1" noMove="1" noResize="1" noEditPoints="1" noAdjustHandles="1" noChangeArrowheads="1" noChangeShapeType="1" noTextEdit="1"/>
+          </p:cNvSpPr>
+          <p:nvPr>
+            <p:extLst>
+              <p:ext uri="{386F3935-93C4-4BCD-93E2-E3B085C9AB24}">
+                <p16:designElem xmlns:p16="http://schemas.microsoft.com/office/powerpoint/2015/main" val="1"/>
+              </p:ext>
+            </p:extLst>
+          </p:nvPr>
+        </p:nvSpPr>
+        <p:spPr>
+          <a:xfrm>
+            <a:off x="7851648" y="4546920"/>
+            <a:ext cx="4023360" cy="18288"/>
+          </a:xfrm>
+          <a:prstGeom prst="rect">
+            <a:avLst/>
+          </a:prstGeom>
+          <a:solidFill>
+            <a:schemeClr val="tx1"/>
+          </a:solidFill>
+          <a:ln w="3175">
+            <a:noFill/>
+          </a:ln>
+          <a:effectLst/>
+        </p:spPr>
+        <p:style>
+          <a:lnRef idx="2">
+            <a:schemeClr val="accent1">
+              <a:shade val="50000"/>
+            </a:schemeClr>
+          </a:lnRef>
+          <a:fillRef idx="1">
+            <a:schemeClr val="accent1"/>
+          </a:fillRef>
+          <a:effectRef idx="0">
+            <a:schemeClr val="accent1"/>
+          </a:effectRef>
+          <a:fontRef idx="minor">
+            <a:schemeClr val="lt1"/>
+          </a:fontRef>
+        </p:style>
+        <p:txBody>
+          <a:bodyPr rtlCol="0" anchor="ctr"/>
+          <a:lstStyle/>
+          <a:p>
+            <a:pPr marL="0" marR="0" lvl="0" indent="0" algn="ctr" defTabSz="914400" rtl="0" eaLnBrk="1" fontAlgn="auto" latinLnBrk="0" hangingPunct="1">
+              <a:lnSpc>
+                <a:spcPct val="100000"/>
+              </a:lnSpc>
+              <a:spcBef>
+                <a:spcPts val="0"/>
+              </a:spcBef>
+              <a:spcAft>
+                <a:spcPts val="0"/>
+              </a:spcAft>
+              <a:buClrTx/>
+              <a:buSzTx/>
+              <a:buFontTx/>
+              <a:buNone/>
+              <a:tabLst/>
+              <a:defRPr/>
+            </a:pPr>
+            <a:endParaRPr kumimoji="0" lang="en-US" sz="1800" b="0" i="0" u="none" strike="noStrike" kern="1200" cap="none" spc="0" normalizeH="0" baseline="0" noProof="0">
+              <a:ln>
+                <a:noFill/>
+              </a:ln>
+              <a:solidFill>
+                <a:prstClr val="white"/>
+              </a:solidFill>
+              <a:effectLst/>
+              <a:uLnTx/>
+              <a:uFillTx/>
+              <a:latin typeface="Calibri" panose="020F0502020204030204"/>
+              <a:ea typeface="+mn-ea"/>
+              <a:cs typeface="+mn-cs"/>
+            </a:endParaRPr>
+          </a:p>
+        </p:txBody>
+      </p:sp>
+      <p:pic>
+        <p:nvPicPr>
+          <p:cNvPr id="6" name="Image 5" descr="Une image contenant texte&#10;&#10;Description générée automatiquement">
+            <a:extLst>
+              <a:ext uri="{FF2B5EF4-FFF2-40B4-BE49-F238E27FC236}">
+                <a16:creationId xmlns:a16="http://schemas.microsoft.com/office/drawing/2014/main" id="{B58A08E8-B154-9CB2-49D2-FAD264EA2961}"/>
+              </a:ext>
+            </a:extLst>
+          </p:cNvPr>
+          <p:cNvPicPr>
+            <a:picLocks noChangeAspect="1"/>
+          </p:cNvPicPr>
+          <p:nvPr/>
+        </p:nvPicPr>
+        <p:blipFill>
+          <a:blip r:embed="rId3">
+            <a:extLst>
+              <a:ext uri="{28A0092B-C50C-407E-A947-70E740481C1C}">
+                <a14:useLocalDpi xmlns:a14="http://schemas.microsoft.com/office/drawing/2010/main" val="0"/>
+              </a:ext>
+            </a:extLst>
+          </a:blip>
+          <a:stretch>
+            <a:fillRect/>
+          </a:stretch>
+        </p:blipFill>
+        <p:spPr>
+          <a:xfrm>
+            <a:off x="168033" y="195172"/>
+            <a:ext cx="2452178" cy="1007326"/>
+          </a:xfrm>
+          <a:prstGeom prst="rect">
+            <a:avLst/>
+          </a:prstGeom>
+        </p:spPr>
+      </p:pic>
+      <p:sp>
+        <p:nvSpPr>
+          <p:cNvPr id="7" name="ZoneTexte 6">
+            <a:extLst>
+              <a:ext uri="{FF2B5EF4-FFF2-40B4-BE49-F238E27FC236}">
+                <a16:creationId xmlns:a16="http://schemas.microsoft.com/office/drawing/2014/main" id="{005ECF30-138F-6B11-8017-5B5CB1C9E9A6}"/>
+              </a:ext>
+            </a:extLst>
+          </p:cNvPr>
+          <p:cNvSpPr txBox="1"/>
+          <p:nvPr/>
+        </p:nvSpPr>
+        <p:spPr>
+          <a:xfrm>
+            <a:off x="168033" y="6293496"/>
+            <a:ext cx="6131292" cy="369332"/>
+          </a:xfrm>
+          <a:prstGeom prst="rect">
+            <a:avLst/>
+          </a:prstGeom>
+          <a:noFill/>
+        </p:spPr>
+        <p:txBody>
+          <a:bodyPr wrap="square">
+            <a:spAutoFit/>
+          </a:bodyPr>
+          <a:lstStyle/>
+          <a:p>
+            <a:r>
+              <a:rPr lang="fr-FR" sz="1800" dirty="0">
+                <a:solidFill>
+                  <a:srgbClr val="002060"/>
+                </a:solidFill>
+                <a:latin typeface="Bahnschrift Light" panose="020B0502040204020203" pitchFamily="34" charset="0"/>
+              </a:rPr>
+              <a:t>Julien VILLEMEJANE</a:t>
+            </a:r>
+            <a:endParaRPr lang="fr-FR" dirty="0">
+              <a:solidFill>
+                <a:srgbClr val="002060"/>
+              </a:solidFill>
+            </a:endParaRPr>
+          </a:p>
+        </p:txBody>
+      </p:sp>
+    </p:spTree>
+    <p:extLst>
+      <p:ext uri="{BB962C8B-B14F-4D97-AF65-F5344CB8AC3E}">
+        <p14:creationId xmlns:p14="http://schemas.microsoft.com/office/powerpoint/2010/main" val="3385335444"/>
+      </p:ext>
+    </p:extLst>
+  </p:cSld>
+  <p:clrMapOvr>
+    <a:overrideClrMapping bg1="dk1" tx1="lt1" bg2="dk2" tx2="lt2" accent1="accent1" accent2="accent2" accent3="accent3" accent4="accent4" accent5="accent5" accent6="accent6" hlink="hlink" folHlink="folHlink"/>
+  </p:clrMapOvr>
+</p:sld>
+</file>
+
+<file path=ppt/slides/slide24.xml><?xml version="1.0" encoding="utf-8"?>
+<p:sld xmlns:a="http://schemas.openxmlformats.org/drawingml/2006/main" xmlns:r="http://schemas.openxmlformats.org/officeDocument/2006/relationships" xmlns:p="http://schemas.openxmlformats.org/presentationml/2006/main">
+  <p:cSld>
+    <p:bg>
+      <p:bgPr>
+        <a:solidFill>
+          <a:srgbClr val="EEF1F6"/>
+        </a:solidFill>
+        <a:effectLst/>
+      </p:bgPr>
+    </p:bg>
+    <p:spTree>
+      <p:nvGrpSpPr>
+        <p:cNvPr id="1" name="">
+          <a:extLst>
+            <a:ext uri="{FF2B5EF4-FFF2-40B4-BE49-F238E27FC236}">
+              <a16:creationId xmlns:a16="http://schemas.microsoft.com/office/drawing/2014/main" id="{22011FCB-5A1D-FE17-AEA3-07F488EAF43E}"/>
+            </a:ext>
+          </a:extLst>
+        </p:cNvPr>
+        <p:cNvGrpSpPr/>
+        <p:nvPr/>
+      </p:nvGrpSpPr>
+      <p:grpSpPr>
+        <a:xfrm>
+          <a:off x="0" y="0"/>
+          <a:ext cx="0" cy="0"/>
+          <a:chOff x="0" y="0"/>
+          <a:chExt cx="0" cy="0"/>
+        </a:xfrm>
+      </p:grpSpPr>
+      <p:sp>
+        <p:nvSpPr>
+          <p:cNvPr id="3" name="Rectangle 2">
+            <a:extLst>
+              <a:ext uri="{FF2B5EF4-FFF2-40B4-BE49-F238E27FC236}">
+                <a16:creationId xmlns:a16="http://schemas.microsoft.com/office/drawing/2014/main" id="{BF758DE3-6D1B-FFB5-92C3-9B655BEF0729}"/>
+              </a:ext>
+            </a:extLst>
+          </p:cNvPr>
+          <p:cNvSpPr/>
+          <p:nvPr/>
+        </p:nvSpPr>
+        <p:spPr>
+          <a:xfrm>
+            <a:off x="673975" y="405113"/>
+            <a:ext cx="11020314" cy="937549"/>
+          </a:xfrm>
+          <a:prstGeom prst="rect">
+            <a:avLst/>
+          </a:prstGeom>
+          <a:solidFill>
+            <a:schemeClr val="bg1"/>
+          </a:solidFill>
+          <a:ln>
+            <a:solidFill>
+              <a:schemeClr val="bg1">
+                <a:lumMod val="95000"/>
+              </a:schemeClr>
+            </a:solidFill>
+          </a:ln>
+          <a:effectLst>
+            <a:outerShdw blurRad="50800" dist="38100" dir="2700000" algn="tl" rotWithShape="0">
+              <a:prstClr val="black">
+                <a:alpha val="40000"/>
+              </a:prstClr>
+            </a:outerShdw>
+          </a:effectLst>
+        </p:spPr>
+        <p:style>
+          <a:lnRef idx="2">
+            <a:schemeClr val="accent1">
+              <a:shade val="15000"/>
+            </a:schemeClr>
+          </a:lnRef>
+          <a:fillRef idx="1">
+            <a:schemeClr val="accent1"/>
+          </a:fillRef>
+          <a:effectRef idx="0">
+            <a:schemeClr val="accent1"/>
+          </a:effectRef>
+          <a:fontRef idx="minor">
+            <a:schemeClr val="lt1"/>
+          </a:fontRef>
+        </p:style>
+        <p:txBody>
+          <a:bodyPr rtlCol="0" anchor="ctr"/>
+          <a:lstStyle/>
+          <a:p>
+            <a:pPr algn="ctr"/>
+            <a:endParaRPr lang="fr-FR"/>
+          </a:p>
+        </p:txBody>
+      </p:sp>
+      <p:sp>
+        <p:nvSpPr>
+          <p:cNvPr id="2" name="Titre 1">
+            <a:extLst>
+              <a:ext uri="{FF2B5EF4-FFF2-40B4-BE49-F238E27FC236}">
+                <a16:creationId xmlns:a16="http://schemas.microsoft.com/office/drawing/2014/main" id="{90139A0D-AD1A-3B2A-AC6B-32D831130D74}"/>
+              </a:ext>
+            </a:extLst>
+          </p:cNvPr>
+          <p:cNvSpPr txBox="1">
+            <a:spLocks/>
+          </p:cNvSpPr>
+          <p:nvPr/>
+        </p:nvSpPr>
+        <p:spPr>
+          <a:xfrm>
+            <a:off x="907225" y="583365"/>
+            <a:ext cx="8970548" cy="701426"/>
+          </a:xfrm>
+          <a:prstGeom prst="rect">
+            <a:avLst/>
+          </a:prstGeom>
+        </p:spPr>
+        <p:txBody>
+          <a:bodyPr>
+            <a:normAutofit/>
+          </a:bodyPr>
+          <a:lstStyle>
+            <a:lvl1pPr algn="l" defTabSz="914400" rtl="0" eaLnBrk="1" latinLnBrk="0" hangingPunct="1">
+              <a:lnSpc>
+                <a:spcPct val="90000"/>
+              </a:lnSpc>
+              <a:spcBef>
+                <a:spcPct val="0"/>
+              </a:spcBef>
+              <a:buNone/>
+              <a:defRPr sz="4400" kern="1200">
+                <a:solidFill>
+                  <a:schemeClr val="tx1"/>
+                </a:solidFill>
+                <a:latin typeface="+mj-lt"/>
+                <a:ea typeface="+mj-ea"/>
+                <a:cs typeface="+mj-cs"/>
+              </a:defRPr>
+            </a:lvl1pPr>
+          </a:lstStyle>
+          <a:p>
+            <a:r>
+              <a:rPr lang="fr-FR" sz="4000" dirty="0"/>
+              <a:t>Valider une solution technologique</a:t>
+            </a:r>
+          </a:p>
+        </p:txBody>
+      </p:sp>
+      <p:sp>
+        <p:nvSpPr>
+          <p:cNvPr id="7" name="Rectangle 6">
+            <a:extLst>
+              <a:ext uri="{FF2B5EF4-FFF2-40B4-BE49-F238E27FC236}">
+                <a16:creationId xmlns:a16="http://schemas.microsoft.com/office/drawing/2014/main" id="{551FFF2D-7EF9-B11B-B432-49B06822A843}"/>
+              </a:ext>
+            </a:extLst>
+          </p:cNvPr>
+          <p:cNvSpPr/>
+          <p:nvPr/>
+        </p:nvSpPr>
+        <p:spPr>
+          <a:xfrm>
+            <a:off x="619125" y="500258"/>
+            <a:ext cx="124142" cy="749808"/>
+          </a:xfrm>
+          <a:prstGeom prst="rect">
+            <a:avLst/>
+          </a:prstGeom>
+          <a:solidFill>
+            <a:srgbClr val="002060"/>
+          </a:solidFill>
+          <a:ln>
+            <a:noFill/>
+          </a:ln>
+        </p:spPr>
+        <p:style>
+          <a:lnRef idx="2">
+            <a:schemeClr val="accent1">
+              <a:shade val="15000"/>
+            </a:schemeClr>
+          </a:lnRef>
+          <a:fillRef idx="1">
+            <a:schemeClr val="accent1"/>
+          </a:fillRef>
+          <a:effectRef idx="0">
+            <a:schemeClr val="accent1"/>
+          </a:effectRef>
+          <a:fontRef idx="minor">
+            <a:schemeClr val="lt1"/>
+          </a:fontRef>
+        </p:style>
+        <p:txBody>
+          <a:bodyPr rtlCol="0" anchor="ctr"/>
+          <a:lstStyle/>
+          <a:p>
+            <a:pPr algn="ctr"/>
+            <a:endParaRPr lang="fr-FR"/>
+          </a:p>
+        </p:txBody>
+      </p:sp>
+      <p:pic>
+        <p:nvPicPr>
+          <p:cNvPr id="4" name="Image 3" descr="Une image contenant texte&#10;&#10;Description générée automatiquement">
+            <a:extLst>
+              <a:ext uri="{FF2B5EF4-FFF2-40B4-BE49-F238E27FC236}">
+                <a16:creationId xmlns:a16="http://schemas.microsoft.com/office/drawing/2014/main" id="{6F291A08-E25E-78AB-A0EC-45147FBC46AF}"/>
+              </a:ext>
+            </a:extLst>
+          </p:cNvPr>
+          <p:cNvPicPr>
+            <a:picLocks noChangeAspect="1"/>
+          </p:cNvPicPr>
+          <p:nvPr/>
+        </p:nvPicPr>
+        <p:blipFill>
+          <a:blip r:embed="rId3" cstate="print">
+            <a:extLst>
+              <a:ext uri="{28A0092B-C50C-407E-A947-70E740481C1C}">
+                <a14:useLocalDpi xmlns:a14="http://schemas.microsoft.com/office/drawing/2010/main" val="0"/>
+              </a:ext>
+            </a:extLst>
+          </a:blip>
+          <a:stretch>
+            <a:fillRect/>
+          </a:stretch>
+        </p:blipFill>
+        <p:spPr>
+          <a:xfrm>
+            <a:off x="9808481" y="509288"/>
+            <a:ext cx="1825291" cy="749808"/>
+          </a:xfrm>
+          <a:prstGeom prst="rect">
+            <a:avLst/>
+          </a:prstGeom>
+        </p:spPr>
+      </p:pic>
+      <p:sp>
+        <p:nvSpPr>
+          <p:cNvPr id="14" name="ZoneTexte 13">
+            <a:extLst>
+              <a:ext uri="{FF2B5EF4-FFF2-40B4-BE49-F238E27FC236}">
+                <a16:creationId xmlns:a16="http://schemas.microsoft.com/office/drawing/2014/main" id="{154A7784-02D5-2BC0-5B01-0F94B4056B0C}"/>
+              </a:ext>
+            </a:extLst>
+          </p:cNvPr>
+          <p:cNvSpPr txBox="1"/>
+          <p:nvPr/>
+        </p:nvSpPr>
+        <p:spPr>
+          <a:xfrm>
+            <a:off x="907225" y="1583471"/>
+            <a:ext cx="7110619" cy="738664"/>
+          </a:xfrm>
+          <a:prstGeom prst="rect">
+            <a:avLst/>
+          </a:prstGeom>
+          <a:noFill/>
+        </p:spPr>
+        <p:txBody>
+          <a:bodyPr wrap="square">
+            <a:spAutoFit/>
+          </a:bodyPr>
+          <a:lstStyle/>
+          <a:p>
+            <a:pPr rtl="0" fontAlgn="ctr"/>
+            <a:r>
+              <a:rPr lang="fr-FR" sz="2400" b="1" i="0" dirty="0">
+                <a:solidFill>
+                  <a:srgbClr val="0A3260"/>
+                </a:solidFill>
+                <a:effectLst/>
+                <a:latin typeface="Montserrat" panose="00000500000000000000" pitchFamily="2" charset="0"/>
+              </a:rPr>
+              <a:t>Valider</a:t>
+            </a:r>
+            <a:r>
+              <a:rPr lang="fr-FR" sz="2400" b="0" i="0" dirty="0">
+                <a:solidFill>
+                  <a:srgbClr val="0A3260"/>
+                </a:solidFill>
+                <a:effectLst/>
+                <a:latin typeface="Montserrat" panose="00000500000000000000" pitchFamily="2" charset="0"/>
+              </a:rPr>
+              <a:t> une solution technologique </a:t>
+            </a:r>
+          </a:p>
+          <a:p>
+            <a:pPr rtl="0" fontAlgn="ctr"/>
+            <a:r>
+              <a:rPr lang="fr-FR" b="0" i="0" dirty="0">
+                <a:solidFill>
+                  <a:srgbClr val="0A3260"/>
+                </a:solidFill>
+                <a:effectLst/>
+                <a:latin typeface="Montserrat" panose="00000500000000000000" pitchFamily="2" charset="0"/>
+              </a:rPr>
+              <a:t>intégrant des fonctionnalités optiques/photoniques</a:t>
+            </a:r>
+            <a:endParaRPr lang="fr-FR" sz="2800" b="0" dirty="0">
+              <a:solidFill>
+                <a:srgbClr val="0A3260"/>
+              </a:solidFill>
+              <a:effectLst/>
+              <a:latin typeface="Montserrat" panose="00000500000000000000" pitchFamily="2" charset="0"/>
+            </a:endParaRPr>
+          </a:p>
+        </p:txBody>
+      </p:sp>
+      <p:sp>
+        <p:nvSpPr>
+          <p:cNvPr id="15" name="Rectangle 14">
+            <a:extLst>
+              <a:ext uri="{FF2B5EF4-FFF2-40B4-BE49-F238E27FC236}">
+                <a16:creationId xmlns:a16="http://schemas.microsoft.com/office/drawing/2014/main" id="{DCE4D3E2-9D1F-6A86-9FEB-427405944D8B}"/>
+              </a:ext>
+            </a:extLst>
+          </p:cNvPr>
+          <p:cNvSpPr/>
+          <p:nvPr/>
+        </p:nvSpPr>
+        <p:spPr>
+          <a:xfrm>
+            <a:off x="1704108" y="4267592"/>
+            <a:ext cx="270163" cy="446809"/>
+          </a:xfrm>
+          <a:prstGeom prst="rect">
+            <a:avLst/>
+          </a:prstGeom>
+          <a:solidFill>
+            <a:srgbClr val="0070C0"/>
+          </a:solidFill>
+        </p:spPr>
+        <p:style>
+          <a:lnRef idx="2">
+            <a:schemeClr val="accent1">
+              <a:shade val="15000"/>
+            </a:schemeClr>
+          </a:lnRef>
+          <a:fillRef idx="1">
+            <a:schemeClr val="accent1"/>
+          </a:fillRef>
+          <a:effectRef idx="0">
+            <a:schemeClr val="accent1"/>
+          </a:effectRef>
+          <a:fontRef idx="minor">
+            <a:schemeClr val="lt1"/>
+          </a:fontRef>
+        </p:style>
+        <p:txBody>
+          <a:bodyPr rtlCol="0" anchor="ctr"/>
+          <a:lstStyle/>
+          <a:p>
+            <a:pPr algn="ctr"/>
+            <a:endParaRPr lang="fr-FR"/>
+          </a:p>
+        </p:txBody>
+      </p:sp>
+      <p:cxnSp>
+        <p:nvCxnSpPr>
+          <p:cNvPr id="17" name="Connecteur droit avec flèche 16">
+            <a:extLst>
+              <a:ext uri="{FF2B5EF4-FFF2-40B4-BE49-F238E27FC236}">
+                <a16:creationId xmlns:a16="http://schemas.microsoft.com/office/drawing/2014/main" id="{44F57CF6-3FA5-DF54-5E04-0E90F1EA6D3E}"/>
+              </a:ext>
+            </a:extLst>
+          </p:cNvPr>
+          <p:cNvCxnSpPr>
+            <a:cxnSpLocks/>
+          </p:cNvCxnSpPr>
+          <p:nvPr/>
+        </p:nvCxnSpPr>
+        <p:spPr>
+          <a:xfrm>
+            <a:off x="1319645" y="4745574"/>
+            <a:ext cx="4776355" cy="0"/>
+          </a:xfrm>
+          <a:prstGeom prst="straightConnector1">
+            <a:avLst/>
+          </a:prstGeom>
+          <a:ln w="38100">
+            <a:solidFill>
+              <a:srgbClr val="671137"/>
+            </a:solidFill>
+            <a:tailEnd type="triangle"/>
+          </a:ln>
+        </p:spPr>
+        <p:style>
+          <a:lnRef idx="1">
+            <a:schemeClr val="accent1"/>
+          </a:lnRef>
+          <a:fillRef idx="0">
+            <a:schemeClr val="accent1"/>
+          </a:fillRef>
+          <a:effectRef idx="0">
+            <a:schemeClr val="accent1"/>
+          </a:effectRef>
+          <a:fontRef idx="minor">
+            <a:schemeClr val="tx1"/>
+          </a:fontRef>
+        </p:style>
+      </p:cxnSp>
+      <p:sp>
+        <p:nvSpPr>
+          <p:cNvPr id="18" name="Rectangle 17">
+            <a:extLst>
+              <a:ext uri="{FF2B5EF4-FFF2-40B4-BE49-F238E27FC236}">
+                <a16:creationId xmlns:a16="http://schemas.microsoft.com/office/drawing/2014/main" id="{B616FF61-5418-5E55-5AB6-46F799970141}"/>
+              </a:ext>
+            </a:extLst>
+          </p:cNvPr>
+          <p:cNvSpPr/>
+          <p:nvPr/>
+        </p:nvSpPr>
+        <p:spPr>
+          <a:xfrm>
+            <a:off x="1974271" y="4267591"/>
+            <a:ext cx="768928" cy="446809"/>
+          </a:xfrm>
+          <a:prstGeom prst="rect">
+            <a:avLst/>
+          </a:prstGeom>
+          <a:solidFill>
+            <a:srgbClr val="00B0F0"/>
+          </a:solidFill>
+        </p:spPr>
+        <p:style>
+          <a:lnRef idx="2">
+            <a:schemeClr val="accent1">
+              <a:shade val="15000"/>
+            </a:schemeClr>
+          </a:lnRef>
+          <a:fillRef idx="1">
+            <a:schemeClr val="accent1"/>
+          </a:fillRef>
+          <a:effectRef idx="0">
+            <a:schemeClr val="accent1"/>
+          </a:effectRef>
+          <a:fontRef idx="minor">
+            <a:schemeClr val="lt1"/>
+          </a:fontRef>
+        </p:style>
+        <p:txBody>
+          <a:bodyPr rtlCol="0" anchor="ctr"/>
+          <a:lstStyle/>
+          <a:p>
+            <a:pPr algn="ctr"/>
+            <a:endParaRPr lang="fr-FR"/>
+          </a:p>
+        </p:txBody>
+      </p:sp>
+      <p:sp>
+        <p:nvSpPr>
+          <p:cNvPr id="19" name="Rectangle 18">
+            <a:extLst>
+              <a:ext uri="{FF2B5EF4-FFF2-40B4-BE49-F238E27FC236}">
+                <a16:creationId xmlns:a16="http://schemas.microsoft.com/office/drawing/2014/main" id="{8ADEF525-CDAC-3CC0-EF05-ED31AC3B585D}"/>
+              </a:ext>
+            </a:extLst>
+          </p:cNvPr>
+          <p:cNvSpPr/>
+          <p:nvPr/>
+        </p:nvSpPr>
+        <p:spPr>
+          <a:xfrm>
+            <a:off x="772143" y="5597237"/>
+            <a:ext cx="270163" cy="446809"/>
+          </a:xfrm>
+          <a:prstGeom prst="rect">
+            <a:avLst/>
+          </a:prstGeom>
+          <a:solidFill>
+            <a:srgbClr val="0070C0"/>
+          </a:solidFill>
+        </p:spPr>
+        <p:style>
+          <a:lnRef idx="2">
+            <a:schemeClr val="accent1">
+              <a:shade val="15000"/>
+            </a:schemeClr>
+          </a:lnRef>
+          <a:fillRef idx="1">
+            <a:schemeClr val="accent1"/>
+          </a:fillRef>
+          <a:effectRef idx="0">
+            <a:schemeClr val="accent1"/>
+          </a:effectRef>
+          <a:fontRef idx="minor">
+            <a:schemeClr val="lt1"/>
+          </a:fontRef>
+        </p:style>
+        <p:txBody>
+          <a:bodyPr rtlCol="0" anchor="ctr"/>
+          <a:lstStyle/>
+          <a:p>
+            <a:pPr algn="ctr"/>
+            <a:endParaRPr lang="fr-FR"/>
+          </a:p>
+        </p:txBody>
+      </p:sp>
+      <p:sp>
+        <p:nvSpPr>
+          <p:cNvPr id="20" name="Rectangle 19">
+            <a:extLst>
+              <a:ext uri="{FF2B5EF4-FFF2-40B4-BE49-F238E27FC236}">
+                <a16:creationId xmlns:a16="http://schemas.microsoft.com/office/drawing/2014/main" id="{EB9C27B7-6D2D-E72C-B15F-3BDA606517CF}"/>
+              </a:ext>
+            </a:extLst>
+          </p:cNvPr>
+          <p:cNvSpPr/>
+          <p:nvPr/>
+        </p:nvSpPr>
+        <p:spPr>
+          <a:xfrm>
+            <a:off x="772143" y="6134337"/>
+            <a:ext cx="270163" cy="446809"/>
+          </a:xfrm>
+          <a:prstGeom prst="rect">
+            <a:avLst/>
+          </a:prstGeom>
+          <a:solidFill>
+            <a:srgbClr val="00B0F0"/>
+          </a:solidFill>
+        </p:spPr>
+        <p:style>
+          <a:lnRef idx="2">
+            <a:schemeClr val="accent1">
+              <a:shade val="15000"/>
+            </a:schemeClr>
+          </a:lnRef>
+          <a:fillRef idx="1">
+            <a:schemeClr val="accent1"/>
+          </a:fillRef>
+          <a:effectRef idx="0">
+            <a:schemeClr val="accent1"/>
+          </a:effectRef>
+          <a:fontRef idx="minor">
+            <a:schemeClr val="lt1"/>
+          </a:fontRef>
+        </p:style>
+        <p:txBody>
+          <a:bodyPr rtlCol="0" anchor="ctr"/>
+          <a:lstStyle/>
+          <a:p>
+            <a:pPr algn="ctr"/>
+            <a:endParaRPr lang="fr-FR"/>
+          </a:p>
+        </p:txBody>
+      </p:sp>
+      <p:sp>
+        <p:nvSpPr>
+          <p:cNvPr id="22" name="ZoneTexte 21">
+            <a:extLst>
+              <a:ext uri="{FF2B5EF4-FFF2-40B4-BE49-F238E27FC236}">
+                <a16:creationId xmlns:a16="http://schemas.microsoft.com/office/drawing/2014/main" id="{4729881A-B8E2-7CFB-4765-DF18F354B372}"/>
+              </a:ext>
+            </a:extLst>
+          </p:cNvPr>
+          <p:cNvSpPr txBox="1"/>
+          <p:nvPr/>
+        </p:nvSpPr>
+        <p:spPr>
+          <a:xfrm>
+            <a:off x="1128711" y="5635975"/>
+            <a:ext cx="2002850" cy="369332"/>
+          </a:xfrm>
+          <a:prstGeom prst="rect">
+            <a:avLst/>
+          </a:prstGeom>
+          <a:noFill/>
+        </p:spPr>
+        <p:txBody>
+          <a:bodyPr wrap="square">
+            <a:spAutoFit/>
+          </a:bodyPr>
+          <a:lstStyle/>
+          <a:p>
+            <a:r>
+              <a:rPr lang="fr-FR" b="0" i="0" dirty="0">
+                <a:solidFill>
+                  <a:srgbClr val="0A3260"/>
+                </a:solidFill>
+                <a:effectLst/>
+                <a:latin typeface="Montserrat" panose="00000500000000000000" pitchFamily="2" charset="0"/>
+              </a:rPr>
+              <a:t>Acquisition</a:t>
+            </a:r>
+            <a:endParaRPr lang="fr-FR" dirty="0"/>
+          </a:p>
+        </p:txBody>
+      </p:sp>
+      <p:sp>
+        <p:nvSpPr>
+          <p:cNvPr id="23" name="ZoneTexte 22">
+            <a:extLst>
+              <a:ext uri="{FF2B5EF4-FFF2-40B4-BE49-F238E27FC236}">
+                <a16:creationId xmlns:a16="http://schemas.microsoft.com/office/drawing/2014/main" id="{4255615B-FBA5-B19B-8797-8AF41243AFB7}"/>
+              </a:ext>
+            </a:extLst>
+          </p:cNvPr>
+          <p:cNvSpPr txBox="1"/>
+          <p:nvPr/>
+        </p:nvSpPr>
+        <p:spPr>
+          <a:xfrm>
+            <a:off x="1139102" y="6173075"/>
+            <a:ext cx="3526416" cy="369332"/>
+          </a:xfrm>
+          <a:prstGeom prst="rect">
+            <a:avLst/>
+          </a:prstGeom>
+          <a:noFill/>
+        </p:spPr>
+        <p:txBody>
+          <a:bodyPr wrap="square">
+            <a:spAutoFit/>
+          </a:bodyPr>
+          <a:lstStyle/>
+          <a:p>
+            <a:r>
+              <a:rPr lang="fr-FR" b="0" i="0" dirty="0">
+                <a:solidFill>
+                  <a:srgbClr val="0A3260"/>
+                </a:solidFill>
+                <a:effectLst/>
+                <a:latin typeface="Montserrat" panose="00000500000000000000" pitchFamily="2" charset="0"/>
+              </a:rPr>
+              <a:t>Traitement + Transmission</a:t>
+            </a:r>
+            <a:endParaRPr lang="fr-FR" dirty="0"/>
+          </a:p>
+        </p:txBody>
+      </p:sp>
+      <p:sp>
+        <p:nvSpPr>
+          <p:cNvPr id="25" name="Rectangle 24">
+            <a:extLst>
+              <a:ext uri="{FF2B5EF4-FFF2-40B4-BE49-F238E27FC236}">
+                <a16:creationId xmlns:a16="http://schemas.microsoft.com/office/drawing/2014/main" id="{A99CDD03-EBE1-8B90-04D0-1197213A39C3}"/>
+              </a:ext>
+            </a:extLst>
+          </p:cNvPr>
+          <p:cNvSpPr/>
+          <p:nvPr/>
+        </p:nvSpPr>
+        <p:spPr>
+          <a:xfrm>
+            <a:off x="3196936" y="4267592"/>
+            <a:ext cx="270163" cy="446809"/>
+          </a:xfrm>
+          <a:prstGeom prst="rect">
+            <a:avLst/>
+          </a:prstGeom>
+          <a:solidFill>
+            <a:srgbClr val="0070C0"/>
+          </a:solidFill>
+        </p:spPr>
+        <p:style>
+          <a:lnRef idx="2">
+            <a:schemeClr val="accent1">
+              <a:shade val="15000"/>
+            </a:schemeClr>
+          </a:lnRef>
+          <a:fillRef idx="1">
+            <a:schemeClr val="accent1"/>
+          </a:fillRef>
+          <a:effectRef idx="0">
+            <a:schemeClr val="accent1"/>
+          </a:effectRef>
+          <a:fontRef idx="minor">
+            <a:schemeClr val="lt1"/>
+          </a:fontRef>
+        </p:style>
+        <p:txBody>
+          <a:bodyPr rtlCol="0" anchor="ctr"/>
+          <a:lstStyle/>
+          <a:p>
+            <a:pPr algn="ctr"/>
+            <a:endParaRPr lang="fr-FR"/>
+          </a:p>
+        </p:txBody>
+      </p:sp>
+      <p:sp>
+        <p:nvSpPr>
+          <p:cNvPr id="26" name="Rectangle 25">
+            <a:extLst>
+              <a:ext uri="{FF2B5EF4-FFF2-40B4-BE49-F238E27FC236}">
+                <a16:creationId xmlns:a16="http://schemas.microsoft.com/office/drawing/2014/main" id="{C5AC75B5-B237-08FC-CE58-081E0728C299}"/>
+              </a:ext>
+            </a:extLst>
+          </p:cNvPr>
+          <p:cNvSpPr/>
+          <p:nvPr/>
+        </p:nvSpPr>
+        <p:spPr>
+          <a:xfrm>
+            <a:off x="3467099" y="4267591"/>
+            <a:ext cx="768928" cy="446809"/>
+          </a:xfrm>
+          <a:prstGeom prst="rect">
+            <a:avLst/>
+          </a:prstGeom>
+          <a:solidFill>
+            <a:srgbClr val="00B0F0"/>
+          </a:solidFill>
+        </p:spPr>
+        <p:style>
+          <a:lnRef idx="2">
+            <a:schemeClr val="accent1">
+              <a:shade val="15000"/>
+            </a:schemeClr>
+          </a:lnRef>
+          <a:fillRef idx="1">
+            <a:schemeClr val="accent1"/>
+          </a:fillRef>
+          <a:effectRef idx="0">
+            <a:schemeClr val="accent1"/>
+          </a:effectRef>
+          <a:fontRef idx="minor">
+            <a:schemeClr val="lt1"/>
+          </a:fontRef>
+        </p:style>
+        <p:txBody>
+          <a:bodyPr rtlCol="0" anchor="ctr"/>
+          <a:lstStyle/>
+          <a:p>
+            <a:pPr algn="ctr"/>
+            <a:endParaRPr lang="fr-FR"/>
+          </a:p>
+        </p:txBody>
+      </p:sp>
+      <p:sp>
+        <p:nvSpPr>
+          <p:cNvPr id="28" name="ZoneTexte 27">
+            <a:extLst>
+              <a:ext uri="{FF2B5EF4-FFF2-40B4-BE49-F238E27FC236}">
+                <a16:creationId xmlns:a16="http://schemas.microsoft.com/office/drawing/2014/main" id="{CACDE292-91E8-368B-917E-BC5572D368A6}"/>
+              </a:ext>
+            </a:extLst>
+          </p:cNvPr>
+          <p:cNvSpPr txBox="1"/>
+          <p:nvPr/>
+        </p:nvSpPr>
+        <p:spPr>
+          <a:xfrm>
+            <a:off x="1323943" y="2476006"/>
+            <a:ext cx="9720378" cy="646331"/>
+          </a:xfrm>
+          <a:prstGeom prst="rect">
+            <a:avLst/>
+          </a:prstGeom>
+          <a:noFill/>
+        </p:spPr>
+        <p:txBody>
+          <a:bodyPr wrap="square">
+            <a:spAutoFit/>
+          </a:bodyPr>
+          <a:lstStyle/>
+          <a:p>
+            <a:r>
+              <a:rPr lang="fr-FR" b="0" i="0" dirty="0">
+                <a:effectLst/>
+                <a:latin typeface="Montserrat" panose="00000500000000000000" pitchFamily="2" charset="0"/>
+              </a:rPr>
+              <a:t>Soit un </a:t>
+            </a:r>
+            <a:r>
+              <a:rPr lang="fr-FR" b="1" i="0" dirty="0">
+                <a:effectLst/>
+                <a:latin typeface="Montserrat" panose="00000500000000000000" pitchFamily="2" charset="0"/>
+              </a:rPr>
+              <a:t>système embarqué </a:t>
+            </a:r>
+            <a:r>
+              <a:rPr lang="fr-FR" b="0" i="0" dirty="0">
+                <a:effectLst/>
+                <a:latin typeface="Montserrat" panose="00000500000000000000" pitchFamily="2" charset="0"/>
+              </a:rPr>
+              <a:t>qui acquiert des </a:t>
+            </a:r>
+            <a:r>
+              <a:rPr lang="fr-FR" b="1" i="0" dirty="0">
+                <a:effectLst/>
+                <a:latin typeface="Montserrat" panose="00000500000000000000" pitchFamily="2" charset="0"/>
+              </a:rPr>
+              <a:t>données analogiques </a:t>
+            </a:r>
+            <a:r>
+              <a:rPr lang="fr-FR" b="0" i="0" dirty="0">
+                <a:effectLst/>
+                <a:latin typeface="Montserrat" panose="00000500000000000000" pitchFamily="2" charset="0"/>
+              </a:rPr>
+              <a:t>et en fait un </a:t>
+            </a:r>
+            <a:r>
+              <a:rPr lang="fr-FR" b="1" i="0" dirty="0">
+                <a:effectLst/>
+                <a:latin typeface="Montserrat" panose="00000500000000000000" pitchFamily="2" charset="0"/>
+              </a:rPr>
+              <a:t>traitement</a:t>
+            </a:r>
+            <a:r>
+              <a:rPr lang="fr-FR" b="0" i="0" dirty="0">
+                <a:effectLst/>
+                <a:latin typeface="Montserrat" panose="00000500000000000000" pitchFamily="2" charset="0"/>
+              </a:rPr>
+              <a:t> avant de les </a:t>
+            </a:r>
+            <a:r>
+              <a:rPr lang="fr-FR" b="1" i="0" dirty="0">
+                <a:effectLst/>
+                <a:latin typeface="Montserrat" panose="00000500000000000000" pitchFamily="2" charset="0"/>
+              </a:rPr>
+              <a:t>transmettre</a:t>
+            </a:r>
+            <a:r>
+              <a:rPr lang="fr-FR" b="0" i="0" dirty="0">
+                <a:effectLst/>
+                <a:latin typeface="Montserrat" panose="00000500000000000000" pitchFamily="2" charset="0"/>
+              </a:rPr>
+              <a:t>, à intervalle régulier</a:t>
+            </a:r>
+            <a:endParaRPr lang="fr-FR" dirty="0"/>
+          </a:p>
+        </p:txBody>
+      </p:sp>
+      <p:cxnSp>
+        <p:nvCxnSpPr>
+          <p:cNvPr id="30" name="Connecteur droit avec flèche 29">
+            <a:extLst>
+              <a:ext uri="{FF2B5EF4-FFF2-40B4-BE49-F238E27FC236}">
+                <a16:creationId xmlns:a16="http://schemas.microsoft.com/office/drawing/2014/main" id="{655B6124-5DB0-C466-8959-4E43910A24BA}"/>
+              </a:ext>
+            </a:extLst>
+          </p:cNvPr>
+          <p:cNvCxnSpPr>
+            <a:cxnSpLocks/>
+          </p:cNvCxnSpPr>
+          <p:nvPr/>
+        </p:nvCxnSpPr>
+        <p:spPr>
+          <a:xfrm>
+            <a:off x="1704108" y="4010891"/>
+            <a:ext cx="1492828" cy="0"/>
+          </a:xfrm>
+          <a:prstGeom prst="straightConnector1">
+            <a:avLst/>
+          </a:prstGeom>
+          <a:ln w="28575">
+            <a:solidFill>
+              <a:srgbClr val="671137"/>
+            </a:solidFill>
+            <a:prstDash val="dash"/>
+            <a:headEnd type="arrow" w="med" len="med"/>
+            <a:tailEnd type="arrow" w="med" len="med"/>
+          </a:ln>
+        </p:spPr>
+        <p:style>
+          <a:lnRef idx="1">
+            <a:schemeClr val="accent1"/>
+          </a:lnRef>
+          <a:fillRef idx="0">
+            <a:schemeClr val="accent1"/>
+          </a:fillRef>
+          <a:effectRef idx="0">
+            <a:schemeClr val="accent1"/>
+          </a:effectRef>
+          <a:fontRef idx="minor">
+            <a:schemeClr val="tx1"/>
+          </a:fontRef>
+        </p:style>
+      </p:cxnSp>
+      <p:sp>
+        <p:nvSpPr>
+          <p:cNvPr id="33" name="ZoneTexte 32">
+            <a:extLst>
+              <a:ext uri="{FF2B5EF4-FFF2-40B4-BE49-F238E27FC236}">
+                <a16:creationId xmlns:a16="http://schemas.microsoft.com/office/drawing/2014/main" id="{08D7B41F-A603-FB20-ABAA-809F64FFC720}"/>
+              </a:ext>
+            </a:extLst>
+          </p:cNvPr>
+          <p:cNvSpPr txBox="1"/>
+          <p:nvPr/>
+        </p:nvSpPr>
+        <p:spPr>
+          <a:xfrm>
+            <a:off x="2247033" y="3651421"/>
+            <a:ext cx="496166" cy="369332"/>
+          </a:xfrm>
+          <a:prstGeom prst="rect">
+            <a:avLst/>
+          </a:prstGeom>
+          <a:noFill/>
+        </p:spPr>
+        <p:txBody>
+          <a:bodyPr wrap="square">
+            <a:spAutoFit/>
+          </a:bodyPr>
+          <a:lstStyle/>
+          <a:p>
+            <a:r>
+              <a:rPr lang="fr-FR" b="0" i="0" dirty="0">
+                <a:effectLst/>
+                <a:latin typeface="Montserrat" panose="00000500000000000000" pitchFamily="2" charset="0"/>
+              </a:rPr>
+              <a:t>T</a:t>
+            </a:r>
+            <a:endParaRPr lang="fr-FR" dirty="0"/>
+          </a:p>
+        </p:txBody>
+      </p:sp>
+      <p:sp>
+        <p:nvSpPr>
+          <p:cNvPr id="34" name="ZoneTexte 33">
+            <a:extLst>
+              <a:ext uri="{FF2B5EF4-FFF2-40B4-BE49-F238E27FC236}">
+                <a16:creationId xmlns:a16="http://schemas.microsoft.com/office/drawing/2014/main" id="{23D5DA3F-3F08-7A9B-096C-DF751D0C580A}"/>
+              </a:ext>
+            </a:extLst>
+          </p:cNvPr>
+          <p:cNvSpPr txBox="1"/>
+          <p:nvPr/>
+        </p:nvSpPr>
+        <p:spPr>
+          <a:xfrm>
+            <a:off x="6962963" y="5133010"/>
+            <a:ext cx="4731326" cy="369332"/>
+          </a:xfrm>
+          <a:prstGeom prst="rect">
+            <a:avLst/>
+          </a:prstGeom>
+          <a:noFill/>
+        </p:spPr>
+        <p:txBody>
+          <a:bodyPr wrap="square">
+            <a:spAutoFit/>
+          </a:bodyPr>
+          <a:lstStyle/>
+          <a:p>
+            <a:r>
+              <a:rPr lang="fr-FR" b="0" i="0" dirty="0">
+                <a:effectLst/>
+                <a:latin typeface="Montserrat" panose="00000500000000000000" pitchFamily="2" charset="0"/>
+              </a:rPr>
+              <a:t>- Validation de la périodicité</a:t>
+            </a:r>
+            <a:endParaRPr lang="fr-FR" dirty="0"/>
+          </a:p>
+        </p:txBody>
+      </p:sp>
+      <p:cxnSp>
+        <p:nvCxnSpPr>
+          <p:cNvPr id="35" name="Connecteur droit avec flèche 34">
+            <a:extLst>
+              <a:ext uri="{FF2B5EF4-FFF2-40B4-BE49-F238E27FC236}">
+                <a16:creationId xmlns:a16="http://schemas.microsoft.com/office/drawing/2014/main" id="{638648A2-9FBD-A632-DF2C-E066DBC1EB4B}"/>
+              </a:ext>
+            </a:extLst>
+          </p:cNvPr>
+          <p:cNvCxnSpPr>
+            <a:cxnSpLocks/>
+          </p:cNvCxnSpPr>
+          <p:nvPr/>
+        </p:nvCxnSpPr>
+        <p:spPr>
+          <a:xfrm>
+            <a:off x="3172690" y="4007427"/>
+            <a:ext cx="1492828" cy="0"/>
+          </a:xfrm>
+          <a:prstGeom prst="straightConnector1">
+            <a:avLst/>
+          </a:prstGeom>
+          <a:ln w="28575">
+            <a:solidFill>
+              <a:srgbClr val="671137"/>
+            </a:solidFill>
+            <a:prstDash val="dash"/>
+            <a:headEnd type="arrow" w="med" len="med"/>
+            <a:tailEnd type="arrow" w="med" len="med"/>
+          </a:ln>
+        </p:spPr>
+        <p:style>
+          <a:lnRef idx="1">
+            <a:schemeClr val="accent1"/>
+          </a:lnRef>
+          <a:fillRef idx="0">
+            <a:schemeClr val="accent1"/>
+          </a:fillRef>
+          <a:effectRef idx="0">
+            <a:schemeClr val="accent1"/>
+          </a:effectRef>
+          <a:fontRef idx="minor">
+            <a:schemeClr val="tx1"/>
+          </a:fontRef>
+        </p:style>
+      </p:cxnSp>
+      <p:sp>
+        <p:nvSpPr>
+          <p:cNvPr id="36" name="Rectangle 35">
+            <a:extLst>
+              <a:ext uri="{FF2B5EF4-FFF2-40B4-BE49-F238E27FC236}">
+                <a16:creationId xmlns:a16="http://schemas.microsoft.com/office/drawing/2014/main" id="{6404F800-CF0A-37CC-F0CA-1E4C7C2BF1C7}"/>
+              </a:ext>
+            </a:extLst>
+          </p:cNvPr>
+          <p:cNvSpPr/>
+          <p:nvPr/>
+        </p:nvSpPr>
+        <p:spPr>
+          <a:xfrm>
+            <a:off x="4689764" y="4267592"/>
+            <a:ext cx="270163" cy="446809"/>
+          </a:xfrm>
+          <a:prstGeom prst="rect">
+            <a:avLst/>
+          </a:prstGeom>
+          <a:solidFill>
+            <a:srgbClr val="0070C0"/>
+          </a:solidFill>
+        </p:spPr>
+        <p:style>
+          <a:lnRef idx="2">
+            <a:schemeClr val="accent1">
+              <a:shade val="15000"/>
+            </a:schemeClr>
+          </a:lnRef>
+          <a:fillRef idx="1">
+            <a:schemeClr val="accent1"/>
+          </a:fillRef>
+          <a:effectRef idx="0">
+            <a:schemeClr val="accent1"/>
+          </a:effectRef>
+          <a:fontRef idx="minor">
+            <a:schemeClr val="lt1"/>
+          </a:fontRef>
+        </p:style>
+        <p:txBody>
+          <a:bodyPr rtlCol="0" anchor="ctr"/>
+          <a:lstStyle/>
+          <a:p>
+            <a:pPr algn="ctr"/>
+            <a:endParaRPr lang="fr-FR"/>
+          </a:p>
+        </p:txBody>
+      </p:sp>
+      <p:sp>
+        <p:nvSpPr>
+          <p:cNvPr id="37" name="Rectangle 36">
+            <a:extLst>
+              <a:ext uri="{FF2B5EF4-FFF2-40B4-BE49-F238E27FC236}">
+                <a16:creationId xmlns:a16="http://schemas.microsoft.com/office/drawing/2014/main" id="{8B3F998B-1D14-F09B-AE71-244C7AF28262}"/>
+              </a:ext>
+            </a:extLst>
+          </p:cNvPr>
+          <p:cNvSpPr/>
+          <p:nvPr/>
+        </p:nvSpPr>
+        <p:spPr>
+          <a:xfrm>
+            <a:off x="4959927" y="4267591"/>
+            <a:ext cx="768928" cy="446809"/>
+          </a:xfrm>
+          <a:prstGeom prst="rect">
+            <a:avLst/>
+          </a:prstGeom>
+          <a:solidFill>
+            <a:srgbClr val="00B0F0"/>
+          </a:solidFill>
+        </p:spPr>
+        <p:style>
+          <a:lnRef idx="2">
+            <a:schemeClr val="accent1">
+              <a:shade val="15000"/>
+            </a:schemeClr>
+          </a:lnRef>
+          <a:fillRef idx="1">
+            <a:schemeClr val="accent1"/>
+          </a:fillRef>
+          <a:effectRef idx="0">
+            <a:schemeClr val="accent1"/>
+          </a:effectRef>
+          <a:fontRef idx="minor">
+            <a:schemeClr val="lt1"/>
+          </a:fontRef>
+        </p:style>
+        <p:txBody>
+          <a:bodyPr rtlCol="0" anchor="ctr"/>
+          <a:lstStyle/>
+          <a:p>
+            <a:pPr algn="ctr"/>
+            <a:endParaRPr lang="fr-FR"/>
+          </a:p>
+        </p:txBody>
+      </p:sp>
+      <p:sp>
+        <p:nvSpPr>
+          <p:cNvPr id="39" name="ZoneTexte 38">
+            <a:extLst>
+              <a:ext uri="{FF2B5EF4-FFF2-40B4-BE49-F238E27FC236}">
+                <a16:creationId xmlns:a16="http://schemas.microsoft.com/office/drawing/2014/main" id="{8B3FCB1A-7ECA-C0EB-9A36-086100631017}"/>
+              </a:ext>
+            </a:extLst>
+          </p:cNvPr>
+          <p:cNvSpPr txBox="1"/>
+          <p:nvPr/>
+        </p:nvSpPr>
+        <p:spPr>
+          <a:xfrm>
+            <a:off x="6962963" y="5640469"/>
+            <a:ext cx="4731326" cy="369332"/>
+          </a:xfrm>
+          <a:prstGeom prst="rect">
+            <a:avLst/>
+          </a:prstGeom>
+          <a:noFill/>
+        </p:spPr>
+        <p:txBody>
+          <a:bodyPr wrap="square">
+            <a:spAutoFit/>
+          </a:bodyPr>
+          <a:lstStyle/>
+          <a:p>
+            <a:r>
+              <a:rPr lang="fr-FR" b="0" i="0" dirty="0">
+                <a:effectLst/>
+                <a:latin typeface="Montserrat" panose="00000500000000000000" pitchFamily="2" charset="0"/>
+              </a:rPr>
+              <a:t>- Fréquence maximale d’acquisition</a:t>
+            </a:r>
+            <a:endParaRPr lang="fr-FR" dirty="0"/>
+          </a:p>
+        </p:txBody>
+      </p:sp>
+      <p:sp>
+        <p:nvSpPr>
+          <p:cNvPr id="41" name="ZoneTexte 40">
+            <a:extLst>
+              <a:ext uri="{FF2B5EF4-FFF2-40B4-BE49-F238E27FC236}">
+                <a16:creationId xmlns:a16="http://schemas.microsoft.com/office/drawing/2014/main" id="{426F9F80-A951-8C87-53E8-E626F403D090}"/>
+              </a:ext>
+            </a:extLst>
+          </p:cNvPr>
+          <p:cNvSpPr txBox="1"/>
+          <p:nvPr/>
+        </p:nvSpPr>
+        <p:spPr>
+          <a:xfrm>
+            <a:off x="6830639" y="4480502"/>
+            <a:ext cx="4863650" cy="369332"/>
+          </a:xfrm>
+          <a:prstGeom prst="rect">
+            <a:avLst/>
+          </a:prstGeom>
+          <a:noFill/>
+        </p:spPr>
+        <p:txBody>
+          <a:bodyPr wrap="square">
+            <a:spAutoFit/>
+          </a:bodyPr>
+          <a:lstStyle/>
+          <a:p>
+            <a:r>
+              <a:rPr lang="fr-FR" sz="1800" b="1" i="0" dirty="0">
+                <a:solidFill>
+                  <a:srgbClr val="0A3260"/>
+                </a:solidFill>
+                <a:effectLst/>
+                <a:latin typeface="Montserrat" panose="00000500000000000000" pitchFamily="2" charset="0"/>
+              </a:rPr>
+              <a:t>Points à valider </a:t>
+            </a:r>
+            <a:r>
+              <a:rPr lang="fr-FR" sz="1800" b="0" i="0" dirty="0">
+                <a:solidFill>
+                  <a:srgbClr val="0A3260"/>
+                </a:solidFill>
+                <a:effectLst/>
+                <a:latin typeface="Montserrat" panose="00000500000000000000" pitchFamily="2" charset="0"/>
+              </a:rPr>
+              <a:t> </a:t>
+            </a:r>
+            <a:endParaRPr lang="fr-FR" dirty="0"/>
+          </a:p>
+        </p:txBody>
+      </p:sp>
+      <p:sp>
+        <p:nvSpPr>
+          <p:cNvPr id="42" name="Rectangle 41">
+            <a:extLst>
+              <a:ext uri="{FF2B5EF4-FFF2-40B4-BE49-F238E27FC236}">
+                <a16:creationId xmlns:a16="http://schemas.microsoft.com/office/drawing/2014/main" id="{B5C7A0F6-DB98-1F43-FFE2-3DB6A0D6AEAD}"/>
+              </a:ext>
+            </a:extLst>
+          </p:cNvPr>
+          <p:cNvSpPr/>
+          <p:nvPr/>
+        </p:nvSpPr>
+        <p:spPr>
+          <a:xfrm>
+            <a:off x="8766466" y="1689458"/>
+            <a:ext cx="2640155" cy="473075"/>
+          </a:xfrm>
+          <a:prstGeom prst="rect">
+            <a:avLst/>
+          </a:prstGeom>
+          <a:solidFill>
+            <a:srgbClr val="C00000"/>
+          </a:solidFill>
+        </p:spPr>
+        <p:style>
+          <a:lnRef idx="2">
+            <a:schemeClr val="accent1">
+              <a:shade val="15000"/>
+            </a:schemeClr>
+          </a:lnRef>
+          <a:fillRef idx="1">
+            <a:schemeClr val="accent1"/>
+          </a:fillRef>
+          <a:effectRef idx="0">
+            <a:schemeClr val="accent1"/>
+          </a:effectRef>
+          <a:fontRef idx="minor">
+            <a:schemeClr val="lt1"/>
+          </a:fontRef>
+        </p:style>
+        <p:txBody>
+          <a:bodyPr rtlCol="0" anchor="ctr"/>
+          <a:lstStyle/>
+          <a:p>
+            <a:pPr algn="ctr"/>
+            <a:r>
+              <a:rPr lang="fr-FR" dirty="0"/>
+              <a:t>CAS 1</a:t>
+            </a:r>
+          </a:p>
+        </p:txBody>
+      </p:sp>
+    </p:spTree>
+    <p:extLst>
+      <p:ext uri="{BB962C8B-B14F-4D97-AF65-F5344CB8AC3E}">
+        <p14:creationId xmlns:p14="http://schemas.microsoft.com/office/powerpoint/2010/main" val="1297263298"/>
+      </p:ext>
+    </p:extLst>
+  </p:cSld>
+  <p:clrMapOvr>
+    <a:masterClrMapping/>
+  </p:clrMapOvr>
+</p:sld>
+</file>
+
+<file path=ppt/slides/slide25.xml><?xml version="1.0" encoding="utf-8"?>
+<p:sld xmlns:a="http://schemas.openxmlformats.org/drawingml/2006/main" xmlns:r="http://schemas.openxmlformats.org/officeDocument/2006/relationships" xmlns:p="http://schemas.openxmlformats.org/presentationml/2006/main">
+  <p:cSld>
+    <p:bg>
+      <p:bgPr>
+        <a:solidFill>
+          <a:srgbClr val="EEF1F6"/>
+        </a:solidFill>
+        <a:effectLst/>
+      </p:bgPr>
+    </p:bg>
+    <p:spTree>
+      <p:nvGrpSpPr>
+        <p:cNvPr id="1" name="">
+          <a:extLst>
+            <a:ext uri="{FF2B5EF4-FFF2-40B4-BE49-F238E27FC236}">
+              <a16:creationId xmlns:a16="http://schemas.microsoft.com/office/drawing/2014/main" id="{255DCEC9-64FA-4629-1C8C-72DD1C9DD112}"/>
+            </a:ext>
+          </a:extLst>
+        </p:cNvPr>
+        <p:cNvGrpSpPr/>
+        <p:nvPr/>
+      </p:nvGrpSpPr>
+      <p:grpSpPr>
+        <a:xfrm>
+          <a:off x="0" y="0"/>
+          <a:ext cx="0" cy="0"/>
+          <a:chOff x="0" y="0"/>
+          <a:chExt cx="0" cy="0"/>
+        </a:xfrm>
+      </p:grpSpPr>
+      <p:sp>
+        <p:nvSpPr>
+          <p:cNvPr id="3" name="Rectangle 2">
+            <a:extLst>
+              <a:ext uri="{FF2B5EF4-FFF2-40B4-BE49-F238E27FC236}">
+                <a16:creationId xmlns:a16="http://schemas.microsoft.com/office/drawing/2014/main" id="{5D9A0406-93FF-165A-F098-F523FBBFCA83}"/>
+              </a:ext>
+            </a:extLst>
+          </p:cNvPr>
+          <p:cNvSpPr/>
+          <p:nvPr/>
+        </p:nvSpPr>
+        <p:spPr>
+          <a:xfrm>
+            <a:off x="673975" y="405113"/>
+            <a:ext cx="11020314" cy="937549"/>
+          </a:xfrm>
+          <a:prstGeom prst="rect">
+            <a:avLst/>
+          </a:prstGeom>
+          <a:solidFill>
+            <a:schemeClr val="bg1"/>
+          </a:solidFill>
+          <a:ln>
+            <a:solidFill>
+              <a:schemeClr val="bg1">
+                <a:lumMod val="95000"/>
+              </a:schemeClr>
+            </a:solidFill>
+          </a:ln>
+          <a:effectLst>
+            <a:outerShdw blurRad="50800" dist="38100" dir="2700000" algn="tl" rotWithShape="0">
+              <a:prstClr val="black">
+                <a:alpha val="40000"/>
+              </a:prstClr>
+            </a:outerShdw>
+          </a:effectLst>
+        </p:spPr>
+        <p:style>
+          <a:lnRef idx="2">
+            <a:schemeClr val="accent1">
+              <a:shade val="15000"/>
+            </a:schemeClr>
+          </a:lnRef>
+          <a:fillRef idx="1">
+            <a:schemeClr val="accent1"/>
+          </a:fillRef>
+          <a:effectRef idx="0">
+            <a:schemeClr val="accent1"/>
+          </a:effectRef>
+          <a:fontRef idx="minor">
+            <a:schemeClr val="lt1"/>
+          </a:fontRef>
+        </p:style>
+        <p:txBody>
+          <a:bodyPr rtlCol="0" anchor="ctr"/>
+          <a:lstStyle/>
+          <a:p>
+            <a:pPr algn="ctr"/>
+            <a:endParaRPr lang="fr-FR"/>
+          </a:p>
+        </p:txBody>
+      </p:sp>
+      <p:sp>
+        <p:nvSpPr>
+          <p:cNvPr id="2" name="Titre 1">
+            <a:extLst>
+              <a:ext uri="{FF2B5EF4-FFF2-40B4-BE49-F238E27FC236}">
+                <a16:creationId xmlns:a16="http://schemas.microsoft.com/office/drawing/2014/main" id="{2D6BBF84-3986-798C-073D-C3E86C1D1916}"/>
+              </a:ext>
+            </a:extLst>
+          </p:cNvPr>
+          <p:cNvSpPr txBox="1">
+            <a:spLocks/>
+          </p:cNvSpPr>
+          <p:nvPr/>
+        </p:nvSpPr>
+        <p:spPr>
+          <a:xfrm>
+            <a:off x="907225" y="583365"/>
+            <a:ext cx="8970548" cy="701426"/>
+          </a:xfrm>
+          <a:prstGeom prst="rect">
+            <a:avLst/>
+          </a:prstGeom>
+        </p:spPr>
+        <p:txBody>
+          <a:bodyPr>
+            <a:normAutofit/>
+          </a:bodyPr>
+          <a:lstStyle>
+            <a:lvl1pPr algn="l" defTabSz="914400" rtl="0" eaLnBrk="1" latinLnBrk="0" hangingPunct="1">
+              <a:lnSpc>
+                <a:spcPct val="90000"/>
+              </a:lnSpc>
+              <a:spcBef>
+                <a:spcPct val="0"/>
+              </a:spcBef>
+              <a:buNone/>
+              <a:defRPr sz="4400" kern="1200">
+                <a:solidFill>
+                  <a:schemeClr val="tx1"/>
+                </a:solidFill>
+                <a:latin typeface="+mj-lt"/>
+                <a:ea typeface="+mj-ea"/>
+                <a:cs typeface="+mj-cs"/>
+              </a:defRPr>
+            </a:lvl1pPr>
+          </a:lstStyle>
+          <a:p>
+            <a:r>
+              <a:rPr lang="fr-FR" sz="4000" dirty="0"/>
+              <a:t>Valider une solution technologique</a:t>
+            </a:r>
+          </a:p>
+        </p:txBody>
+      </p:sp>
+      <p:sp>
+        <p:nvSpPr>
+          <p:cNvPr id="7" name="Rectangle 6">
+            <a:extLst>
+              <a:ext uri="{FF2B5EF4-FFF2-40B4-BE49-F238E27FC236}">
+                <a16:creationId xmlns:a16="http://schemas.microsoft.com/office/drawing/2014/main" id="{66891FC8-0721-D692-F255-D3D59A7BFA58}"/>
+              </a:ext>
+            </a:extLst>
+          </p:cNvPr>
+          <p:cNvSpPr/>
+          <p:nvPr/>
+        </p:nvSpPr>
+        <p:spPr>
+          <a:xfrm>
+            <a:off x="619125" y="500258"/>
+            <a:ext cx="124142" cy="749808"/>
+          </a:xfrm>
+          <a:prstGeom prst="rect">
+            <a:avLst/>
+          </a:prstGeom>
+          <a:solidFill>
+            <a:srgbClr val="002060"/>
+          </a:solidFill>
+          <a:ln>
+            <a:noFill/>
+          </a:ln>
+        </p:spPr>
+        <p:style>
+          <a:lnRef idx="2">
+            <a:schemeClr val="accent1">
+              <a:shade val="15000"/>
+            </a:schemeClr>
+          </a:lnRef>
+          <a:fillRef idx="1">
+            <a:schemeClr val="accent1"/>
+          </a:fillRef>
+          <a:effectRef idx="0">
+            <a:schemeClr val="accent1"/>
+          </a:effectRef>
+          <a:fontRef idx="minor">
+            <a:schemeClr val="lt1"/>
+          </a:fontRef>
+        </p:style>
+        <p:txBody>
+          <a:bodyPr rtlCol="0" anchor="ctr"/>
+          <a:lstStyle/>
+          <a:p>
+            <a:pPr algn="ctr"/>
+            <a:endParaRPr lang="fr-FR"/>
+          </a:p>
+        </p:txBody>
+      </p:sp>
+      <p:pic>
+        <p:nvPicPr>
+          <p:cNvPr id="4" name="Image 3" descr="Une image contenant texte&#10;&#10;Description générée automatiquement">
+            <a:extLst>
+              <a:ext uri="{FF2B5EF4-FFF2-40B4-BE49-F238E27FC236}">
+                <a16:creationId xmlns:a16="http://schemas.microsoft.com/office/drawing/2014/main" id="{919C77DF-3FF8-1489-B9BB-A46AF9172A43}"/>
+              </a:ext>
+            </a:extLst>
+          </p:cNvPr>
+          <p:cNvPicPr>
+            <a:picLocks noChangeAspect="1"/>
+          </p:cNvPicPr>
+          <p:nvPr/>
+        </p:nvPicPr>
+        <p:blipFill>
+          <a:blip r:embed="rId3" cstate="print">
+            <a:extLst>
+              <a:ext uri="{28A0092B-C50C-407E-A947-70E740481C1C}">
+                <a14:useLocalDpi xmlns:a14="http://schemas.microsoft.com/office/drawing/2010/main" val="0"/>
+              </a:ext>
+            </a:extLst>
+          </a:blip>
+          <a:stretch>
+            <a:fillRect/>
+          </a:stretch>
+        </p:blipFill>
+        <p:spPr>
+          <a:xfrm>
+            <a:off x="9808481" y="509288"/>
+            <a:ext cx="1825291" cy="749808"/>
+          </a:xfrm>
+          <a:prstGeom prst="rect">
+            <a:avLst/>
+          </a:prstGeom>
+        </p:spPr>
+      </p:pic>
+      <p:sp>
+        <p:nvSpPr>
+          <p:cNvPr id="14" name="ZoneTexte 13">
+            <a:extLst>
+              <a:ext uri="{FF2B5EF4-FFF2-40B4-BE49-F238E27FC236}">
+                <a16:creationId xmlns:a16="http://schemas.microsoft.com/office/drawing/2014/main" id="{02C2C4DC-BB2A-716D-1D35-D41D58916702}"/>
+              </a:ext>
+            </a:extLst>
+          </p:cNvPr>
+          <p:cNvSpPr txBox="1"/>
+          <p:nvPr/>
+        </p:nvSpPr>
+        <p:spPr>
+          <a:xfrm>
+            <a:off x="907225" y="1583471"/>
+            <a:ext cx="7110619" cy="738664"/>
+          </a:xfrm>
+          <a:prstGeom prst="rect">
+            <a:avLst/>
+          </a:prstGeom>
+          <a:noFill/>
+        </p:spPr>
+        <p:txBody>
+          <a:bodyPr wrap="square">
+            <a:spAutoFit/>
+          </a:bodyPr>
+          <a:lstStyle/>
+          <a:p>
+            <a:pPr rtl="0" fontAlgn="ctr"/>
+            <a:r>
+              <a:rPr lang="fr-FR" sz="2400" b="1" i="0" dirty="0">
+                <a:solidFill>
+                  <a:srgbClr val="0A3260"/>
+                </a:solidFill>
+                <a:effectLst/>
+                <a:latin typeface="Montserrat" panose="00000500000000000000" pitchFamily="2" charset="0"/>
+              </a:rPr>
+              <a:t>Valider</a:t>
+            </a:r>
+            <a:r>
+              <a:rPr lang="fr-FR" sz="2400" b="0" i="0" dirty="0">
+                <a:solidFill>
+                  <a:srgbClr val="0A3260"/>
+                </a:solidFill>
+                <a:effectLst/>
+                <a:latin typeface="Montserrat" panose="00000500000000000000" pitchFamily="2" charset="0"/>
+              </a:rPr>
+              <a:t> une solution technologique </a:t>
+            </a:r>
+          </a:p>
+          <a:p>
+            <a:pPr rtl="0" fontAlgn="ctr"/>
+            <a:r>
+              <a:rPr lang="fr-FR" b="0" i="0" dirty="0">
+                <a:solidFill>
+                  <a:srgbClr val="0A3260"/>
+                </a:solidFill>
+                <a:effectLst/>
+                <a:latin typeface="Montserrat" panose="00000500000000000000" pitchFamily="2" charset="0"/>
+              </a:rPr>
+              <a:t>intégrant des fonctionnalités optiques/photoniques</a:t>
+            </a:r>
+            <a:endParaRPr lang="fr-FR" sz="2800" b="0" dirty="0">
+              <a:solidFill>
+                <a:srgbClr val="0A3260"/>
+              </a:solidFill>
+              <a:effectLst/>
+              <a:latin typeface="Montserrat" panose="00000500000000000000" pitchFamily="2" charset="0"/>
+            </a:endParaRPr>
+          </a:p>
+        </p:txBody>
+      </p:sp>
+      <p:sp>
+        <p:nvSpPr>
+          <p:cNvPr id="28" name="ZoneTexte 27">
+            <a:extLst>
+              <a:ext uri="{FF2B5EF4-FFF2-40B4-BE49-F238E27FC236}">
+                <a16:creationId xmlns:a16="http://schemas.microsoft.com/office/drawing/2014/main" id="{81CD76A1-0F75-D517-BE47-1A29735FED03}"/>
+              </a:ext>
+            </a:extLst>
+          </p:cNvPr>
+          <p:cNvSpPr txBox="1"/>
+          <p:nvPr/>
+        </p:nvSpPr>
+        <p:spPr>
+          <a:xfrm>
+            <a:off x="1323943" y="2476006"/>
+            <a:ext cx="9720378" cy="646331"/>
+          </a:xfrm>
+          <a:prstGeom prst="rect">
+            <a:avLst/>
+          </a:prstGeom>
+          <a:noFill/>
+        </p:spPr>
+        <p:txBody>
+          <a:bodyPr wrap="square">
+            <a:spAutoFit/>
+          </a:bodyPr>
+          <a:lstStyle/>
+          <a:p>
+            <a:r>
+              <a:rPr lang="fr-FR" b="0" i="0" dirty="0">
+                <a:effectLst/>
+                <a:latin typeface="Montserrat" panose="00000500000000000000" pitchFamily="2" charset="0"/>
+              </a:rPr>
+              <a:t>Vous avez développé un algorithme de </a:t>
+            </a:r>
+            <a:r>
+              <a:rPr lang="fr-FR" b="1" i="0" dirty="0">
+                <a:effectLst/>
+                <a:latin typeface="Montserrat" panose="00000500000000000000" pitchFamily="2" charset="0"/>
+              </a:rPr>
+              <a:t>traitement d’images </a:t>
+            </a:r>
+            <a:r>
+              <a:rPr lang="fr-FR" b="0" i="0" dirty="0">
+                <a:effectLst/>
+                <a:latin typeface="Montserrat" panose="00000500000000000000" pitchFamily="2" charset="0"/>
+              </a:rPr>
+              <a:t>permettant d’isoler des pièces d’une certaines formes pour un client.</a:t>
+            </a:r>
+            <a:endParaRPr lang="fr-FR" dirty="0"/>
+          </a:p>
+        </p:txBody>
+      </p:sp>
+      <p:sp>
+        <p:nvSpPr>
+          <p:cNvPr id="42" name="Rectangle 41">
+            <a:extLst>
+              <a:ext uri="{FF2B5EF4-FFF2-40B4-BE49-F238E27FC236}">
+                <a16:creationId xmlns:a16="http://schemas.microsoft.com/office/drawing/2014/main" id="{8CFAED8A-9456-0FFA-5038-36024F4C6C68}"/>
+              </a:ext>
+            </a:extLst>
+          </p:cNvPr>
+          <p:cNvSpPr/>
+          <p:nvPr/>
+        </p:nvSpPr>
+        <p:spPr>
+          <a:xfrm>
+            <a:off x="8766466" y="1689458"/>
+            <a:ext cx="2640155" cy="473075"/>
+          </a:xfrm>
+          <a:prstGeom prst="rect">
+            <a:avLst/>
+          </a:prstGeom>
+          <a:solidFill>
+            <a:srgbClr val="C00000"/>
+          </a:solidFill>
+        </p:spPr>
+        <p:style>
+          <a:lnRef idx="2">
+            <a:schemeClr val="accent1">
+              <a:shade val="15000"/>
+            </a:schemeClr>
+          </a:lnRef>
+          <a:fillRef idx="1">
+            <a:schemeClr val="accent1"/>
+          </a:fillRef>
+          <a:effectRef idx="0">
+            <a:schemeClr val="accent1"/>
+          </a:effectRef>
+          <a:fontRef idx="minor">
+            <a:schemeClr val="lt1"/>
+          </a:fontRef>
+        </p:style>
+        <p:txBody>
+          <a:bodyPr rtlCol="0" anchor="ctr"/>
+          <a:lstStyle/>
+          <a:p>
+            <a:pPr algn="ctr"/>
+            <a:r>
+              <a:rPr lang="fr-FR" dirty="0"/>
+              <a:t>CAS 2</a:t>
+            </a:r>
+          </a:p>
+        </p:txBody>
+      </p:sp>
+    </p:spTree>
+    <p:extLst>
+      <p:ext uri="{BB962C8B-B14F-4D97-AF65-F5344CB8AC3E}">
+        <p14:creationId xmlns:p14="http://schemas.microsoft.com/office/powerpoint/2010/main" val="1346848308"/>
+      </p:ext>
+    </p:extLst>
+  </p:cSld>
+  <p:clrMapOvr>
+    <a:masterClrMapping/>
+  </p:clrMapOvr>
+</p:sld>
+</file>
+
+<file path=ppt/slides/slide26.xml><?xml version="1.0" encoding="utf-8"?>
+<p:sld xmlns:a="http://schemas.openxmlformats.org/drawingml/2006/main" xmlns:r="http://schemas.openxmlformats.org/officeDocument/2006/relationships" xmlns:p="http://schemas.openxmlformats.org/presentationml/2006/main">
+  <p:cSld>
+    <p:bg>
+      <p:bgPr>
+        <a:solidFill>
+          <a:srgbClr val="EEF1F6"/>
+        </a:solidFill>
+        <a:effectLst/>
+      </p:bgPr>
+    </p:bg>
+    <p:spTree>
+      <p:nvGrpSpPr>
+        <p:cNvPr id="1" name="">
+          <a:extLst>
+            <a:ext uri="{FF2B5EF4-FFF2-40B4-BE49-F238E27FC236}">
+              <a16:creationId xmlns:a16="http://schemas.microsoft.com/office/drawing/2014/main" id="{88D4A708-7199-1338-BA41-55242FFDCC8F}"/>
+            </a:ext>
+          </a:extLst>
+        </p:cNvPr>
+        <p:cNvGrpSpPr/>
+        <p:nvPr/>
+      </p:nvGrpSpPr>
+      <p:grpSpPr>
+        <a:xfrm>
+          <a:off x="0" y="0"/>
+          <a:ext cx="0" cy="0"/>
+          <a:chOff x="0" y="0"/>
+          <a:chExt cx="0" cy="0"/>
+        </a:xfrm>
+      </p:grpSpPr>
+      <p:sp>
+        <p:nvSpPr>
+          <p:cNvPr id="3" name="Rectangle 2">
+            <a:extLst>
+              <a:ext uri="{FF2B5EF4-FFF2-40B4-BE49-F238E27FC236}">
+                <a16:creationId xmlns:a16="http://schemas.microsoft.com/office/drawing/2014/main" id="{7BB4DAEB-C9BF-B92E-1737-FD2B09665947}"/>
+              </a:ext>
+            </a:extLst>
+          </p:cNvPr>
+          <p:cNvSpPr/>
+          <p:nvPr/>
+        </p:nvSpPr>
+        <p:spPr>
+          <a:xfrm>
+            <a:off x="673975" y="405113"/>
+            <a:ext cx="11020314" cy="937549"/>
+          </a:xfrm>
+          <a:prstGeom prst="rect">
+            <a:avLst/>
+          </a:prstGeom>
+          <a:solidFill>
+            <a:schemeClr val="bg1"/>
+          </a:solidFill>
+          <a:ln>
+            <a:solidFill>
+              <a:schemeClr val="bg1">
+                <a:lumMod val="95000"/>
+              </a:schemeClr>
+            </a:solidFill>
+          </a:ln>
+          <a:effectLst>
+            <a:outerShdw blurRad="50800" dist="38100" dir="2700000" algn="tl" rotWithShape="0">
+              <a:prstClr val="black">
+                <a:alpha val="40000"/>
+              </a:prstClr>
+            </a:outerShdw>
+          </a:effectLst>
+        </p:spPr>
+        <p:style>
+          <a:lnRef idx="2">
+            <a:schemeClr val="accent1">
+              <a:shade val="15000"/>
+            </a:schemeClr>
+          </a:lnRef>
+          <a:fillRef idx="1">
+            <a:schemeClr val="accent1"/>
+          </a:fillRef>
+          <a:effectRef idx="0">
+            <a:schemeClr val="accent1"/>
+          </a:effectRef>
+          <a:fontRef idx="minor">
+            <a:schemeClr val="lt1"/>
+          </a:fontRef>
+        </p:style>
+        <p:txBody>
+          <a:bodyPr rtlCol="0" anchor="ctr"/>
+          <a:lstStyle/>
+          <a:p>
+            <a:pPr algn="ctr"/>
+            <a:endParaRPr lang="fr-FR"/>
+          </a:p>
+        </p:txBody>
+      </p:sp>
+      <p:sp>
+        <p:nvSpPr>
+          <p:cNvPr id="2" name="Titre 1">
+            <a:extLst>
+              <a:ext uri="{FF2B5EF4-FFF2-40B4-BE49-F238E27FC236}">
+                <a16:creationId xmlns:a16="http://schemas.microsoft.com/office/drawing/2014/main" id="{F6819D15-CC33-6156-B210-47CD01B01B30}"/>
+              </a:ext>
+            </a:extLst>
+          </p:cNvPr>
+          <p:cNvSpPr txBox="1">
+            <a:spLocks/>
+          </p:cNvSpPr>
+          <p:nvPr/>
+        </p:nvSpPr>
+        <p:spPr>
+          <a:xfrm>
+            <a:off x="907225" y="583365"/>
+            <a:ext cx="8970548" cy="701426"/>
+          </a:xfrm>
+          <a:prstGeom prst="rect">
+            <a:avLst/>
+          </a:prstGeom>
+        </p:spPr>
+        <p:txBody>
+          <a:bodyPr>
+            <a:normAutofit/>
+          </a:bodyPr>
+          <a:lstStyle>
+            <a:lvl1pPr algn="l" defTabSz="914400" rtl="0" eaLnBrk="1" latinLnBrk="0" hangingPunct="1">
+              <a:lnSpc>
+                <a:spcPct val="90000"/>
+              </a:lnSpc>
+              <a:spcBef>
+                <a:spcPct val="0"/>
+              </a:spcBef>
+              <a:buNone/>
+              <a:defRPr sz="4400" kern="1200">
+                <a:solidFill>
+                  <a:schemeClr val="tx1"/>
+                </a:solidFill>
+                <a:latin typeface="+mj-lt"/>
+                <a:ea typeface="+mj-ea"/>
+                <a:cs typeface="+mj-cs"/>
+              </a:defRPr>
+            </a:lvl1pPr>
+          </a:lstStyle>
+          <a:p>
+            <a:r>
+              <a:rPr lang="fr-FR" sz="4000" dirty="0"/>
+              <a:t>Valider une solution technologique</a:t>
+            </a:r>
+          </a:p>
+        </p:txBody>
+      </p:sp>
+      <p:sp>
+        <p:nvSpPr>
+          <p:cNvPr id="7" name="Rectangle 6">
+            <a:extLst>
+              <a:ext uri="{FF2B5EF4-FFF2-40B4-BE49-F238E27FC236}">
+                <a16:creationId xmlns:a16="http://schemas.microsoft.com/office/drawing/2014/main" id="{4853418C-0016-F818-F4E4-21E2432CBF30}"/>
+              </a:ext>
+            </a:extLst>
+          </p:cNvPr>
+          <p:cNvSpPr/>
+          <p:nvPr/>
+        </p:nvSpPr>
+        <p:spPr>
+          <a:xfrm>
+            <a:off x="619125" y="500258"/>
+            <a:ext cx="124142" cy="749808"/>
+          </a:xfrm>
+          <a:prstGeom prst="rect">
+            <a:avLst/>
+          </a:prstGeom>
+          <a:solidFill>
+            <a:srgbClr val="002060"/>
+          </a:solidFill>
+          <a:ln>
+            <a:noFill/>
+          </a:ln>
+        </p:spPr>
+        <p:style>
+          <a:lnRef idx="2">
+            <a:schemeClr val="accent1">
+              <a:shade val="15000"/>
+            </a:schemeClr>
+          </a:lnRef>
+          <a:fillRef idx="1">
+            <a:schemeClr val="accent1"/>
+          </a:fillRef>
+          <a:effectRef idx="0">
+            <a:schemeClr val="accent1"/>
+          </a:effectRef>
+          <a:fontRef idx="minor">
+            <a:schemeClr val="lt1"/>
+          </a:fontRef>
+        </p:style>
+        <p:txBody>
+          <a:bodyPr rtlCol="0" anchor="ctr"/>
+          <a:lstStyle/>
+          <a:p>
+            <a:pPr algn="ctr"/>
+            <a:endParaRPr lang="fr-FR"/>
+          </a:p>
+        </p:txBody>
+      </p:sp>
+      <p:pic>
+        <p:nvPicPr>
+          <p:cNvPr id="4" name="Image 3" descr="Une image contenant texte&#10;&#10;Description générée automatiquement">
+            <a:extLst>
+              <a:ext uri="{FF2B5EF4-FFF2-40B4-BE49-F238E27FC236}">
+                <a16:creationId xmlns:a16="http://schemas.microsoft.com/office/drawing/2014/main" id="{343104FD-FF81-7AD0-A572-C4C63BCF8D3D}"/>
+              </a:ext>
+            </a:extLst>
+          </p:cNvPr>
+          <p:cNvPicPr>
+            <a:picLocks noChangeAspect="1"/>
+          </p:cNvPicPr>
+          <p:nvPr/>
+        </p:nvPicPr>
+        <p:blipFill>
+          <a:blip r:embed="rId3" cstate="print">
+            <a:extLst>
+              <a:ext uri="{28A0092B-C50C-407E-A947-70E740481C1C}">
+                <a14:useLocalDpi xmlns:a14="http://schemas.microsoft.com/office/drawing/2010/main" val="0"/>
+              </a:ext>
+            </a:extLst>
+          </a:blip>
+          <a:stretch>
+            <a:fillRect/>
+          </a:stretch>
+        </p:blipFill>
+        <p:spPr>
+          <a:xfrm>
+            <a:off x="9808481" y="509288"/>
+            <a:ext cx="1825291" cy="749808"/>
+          </a:xfrm>
+          <a:prstGeom prst="rect">
+            <a:avLst/>
+          </a:prstGeom>
+        </p:spPr>
+      </p:pic>
+      <p:sp>
+        <p:nvSpPr>
+          <p:cNvPr id="14" name="ZoneTexte 13">
+            <a:extLst>
+              <a:ext uri="{FF2B5EF4-FFF2-40B4-BE49-F238E27FC236}">
+                <a16:creationId xmlns:a16="http://schemas.microsoft.com/office/drawing/2014/main" id="{C04ABF32-9C8C-3FB8-9B4A-DD7C58525E6E}"/>
+              </a:ext>
+            </a:extLst>
+          </p:cNvPr>
+          <p:cNvSpPr txBox="1"/>
+          <p:nvPr/>
+        </p:nvSpPr>
+        <p:spPr>
+          <a:xfrm>
+            <a:off x="907225" y="1583471"/>
+            <a:ext cx="7110619" cy="738664"/>
+          </a:xfrm>
+          <a:prstGeom prst="rect">
+            <a:avLst/>
+          </a:prstGeom>
+          <a:noFill/>
+        </p:spPr>
+        <p:txBody>
+          <a:bodyPr wrap="square">
+            <a:spAutoFit/>
+          </a:bodyPr>
+          <a:lstStyle/>
+          <a:p>
+            <a:pPr rtl="0" fontAlgn="ctr"/>
+            <a:r>
+              <a:rPr lang="fr-FR" sz="2400" b="1" i="0" dirty="0">
+                <a:solidFill>
+                  <a:srgbClr val="0A3260"/>
+                </a:solidFill>
+                <a:effectLst/>
+                <a:latin typeface="Montserrat" panose="00000500000000000000" pitchFamily="2" charset="0"/>
+              </a:rPr>
+              <a:t>Valider</a:t>
+            </a:r>
+            <a:r>
+              <a:rPr lang="fr-FR" sz="2400" b="0" i="0" dirty="0">
+                <a:solidFill>
+                  <a:srgbClr val="0A3260"/>
+                </a:solidFill>
+                <a:effectLst/>
+                <a:latin typeface="Montserrat" panose="00000500000000000000" pitchFamily="2" charset="0"/>
+              </a:rPr>
+              <a:t> une solution technologique </a:t>
+            </a:r>
+          </a:p>
+          <a:p>
+            <a:pPr rtl="0" fontAlgn="ctr"/>
+            <a:r>
+              <a:rPr lang="fr-FR" b="0" i="0" dirty="0">
+                <a:solidFill>
+                  <a:srgbClr val="0A3260"/>
+                </a:solidFill>
+                <a:effectLst/>
+                <a:latin typeface="Montserrat" panose="00000500000000000000" pitchFamily="2" charset="0"/>
+              </a:rPr>
+              <a:t>intégrant des fonctionnalités optiques/photoniques</a:t>
+            </a:r>
+            <a:endParaRPr lang="fr-FR" sz="2800" b="0" dirty="0">
+              <a:solidFill>
+                <a:srgbClr val="0A3260"/>
+              </a:solidFill>
+              <a:effectLst/>
+              <a:latin typeface="Montserrat" panose="00000500000000000000" pitchFamily="2" charset="0"/>
+            </a:endParaRPr>
+          </a:p>
+        </p:txBody>
+      </p:sp>
+      <p:sp>
+        <p:nvSpPr>
+          <p:cNvPr id="28" name="ZoneTexte 27">
+            <a:extLst>
+              <a:ext uri="{FF2B5EF4-FFF2-40B4-BE49-F238E27FC236}">
+                <a16:creationId xmlns:a16="http://schemas.microsoft.com/office/drawing/2014/main" id="{09B8A25C-A040-9D95-08A1-E7422C8D71EA}"/>
+              </a:ext>
+            </a:extLst>
+          </p:cNvPr>
+          <p:cNvSpPr txBox="1"/>
+          <p:nvPr/>
+        </p:nvSpPr>
+        <p:spPr>
+          <a:xfrm>
+            <a:off x="1323943" y="2754987"/>
+            <a:ext cx="8692893" cy="923330"/>
+          </a:xfrm>
+          <a:prstGeom prst="rect">
+            <a:avLst/>
+          </a:prstGeom>
+          <a:noFill/>
+        </p:spPr>
+        <p:txBody>
+          <a:bodyPr wrap="square">
+            <a:spAutoFit/>
+          </a:bodyPr>
+          <a:lstStyle/>
+          <a:p>
+            <a:r>
+              <a:rPr lang="fr-FR" b="0" i="0" dirty="0">
+                <a:effectLst/>
+                <a:latin typeface="Montserrat" panose="00000500000000000000" pitchFamily="2" charset="0"/>
+              </a:rPr>
+              <a:t>Un client vous a demander de concevoir un </a:t>
+            </a:r>
+            <a:r>
+              <a:rPr lang="fr-FR" b="1" i="0" dirty="0">
+                <a:effectLst/>
+                <a:latin typeface="Montserrat" panose="00000500000000000000" pitchFamily="2" charset="0"/>
+              </a:rPr>
+              <a:t>robot</a:t>
+            </a:r>
+            <a:r>
+              <a:rPr lang="fr-FR" b="0" i="0" dirty="0">
+                <a:effectLst/>
+                <a:latin typeface="Montserrat" panose="00000500000000000000" pitchFamily="2" charset="0"/>
+              </a:rPr>
+              <a:t> qui doit faire un trajet de 10km en moins d’une heure, en embarquant un système de mesures et d’acquisition de 2kg.</a:t>
+            </a:r>
+            <a:endParaRPr lang="fr-FR" dirty="0"/>
+          </a:p>
+        </p:txBody>
+      </p:sp>
+      <p:sp>
+        <p:nvSpPr>
+          <p:cNvPr id="42" name="Rectangle 41">
+            <a:extLst>
+              <a:ext uri="{FF2B5EF4-FFF2-40B4-BE49-F238E27FC236}">
+                <a16:creationId xmlns:a16="http://schemas.microsoft.com/office/drawing/2014/main" id="{30CFA016-A4EF-BE79-7540-D7B1B3E7EB5C}"/>
+              </a:ext>
+            </a:extLst>
+          </p:cNvPr>
+          <p:cNvSpPr/>
+          <p:nvPr/>
+        </p:nvSpPr>
+        <p:spPr>
+          <a:xfrm>
+            <a:off x="8766466" y="1689458"/>
+            <a:ext cx="2640155" cy="473075"/>
+          </a:xfrm>
+          <a:prstGeom prst="rect">
+            <a:avLst/>
+          </a:prstGeom>
+          <a:solidFill>
+            <a:srgbClr val="C00000"/>
+          </a:solidFill>
+        </p:spPr>
+        <p:style>
+          <a:lnRef idx="2">
+            <a:schemeClr val="accent1">
+              <a:shade val="15000"/>
+            </a:schemeClr>
+          </a:lnRef>
+          <a:fillRef idx="1">
+            <a:schemeClr val="accent1"/>
+          </a:fillRef>
+          <a:effectRef idx="0">
+            <a:schemeClr val="accent1"/>
+          </a:effectRef>
+          <a:fontRef idx="minor">
+            <a:schemeClr val="lt1"/>
+          </a:fontRef>
+        </p:style>
+        <p:txBody>
+          <a:bodyPr rtlCol="0" anchor="ctr"/>
+          <a:lstStyle/>
+          <a:p>
+            <a:pPr algn="ctr"/>
+            <a:r>
+              <a:rPr lang="fr-FR" dirty="0"/>
+              <a:t>CAS 3</a:t>
+            </a:r>
+          </a:p>
+        </p:txBody>
+      </p:sp>
+    </p:spTree>
+    <p:extLst>
+      <p:ext uri="{BB962C8B-B14F-4D97-AF65-F5344CB8AC3E}">
+        <p14:creationId xmlns:p14="http://schemas.microsoft.com/office/powerpoint/2010/main" val="2819456508"/>
+      </p:ext>
+    </p:extLst>
+  </p:cSld>
+  <p:clrMapOvr>
+    <a:masterClrMapping/>
+  </p:clrMapOvr>
+</p:sld>
+</file>
+
+<file path=ppt/slides/slide27.xml><?xml version="1.0" encoding="utf-8"?>
+<p:sld xmlns:a="http://schemas.openxmlformats.org/drawingml/2006/main" xmlns:r="http://schemas.openxmlformats.org/officeDocument/2006/relationships" xmlns:p="http://schemas.openxmlformats.org/presentationml/2006/main">
+  <p:cSld>
+    <p:bg>
+      <p:bgPr>
+        <a:solidFill>
+          <a:srgbClr val="EEF1F6"/>
+        </a:solidFill>
+        <a:effectLst/>
+      </p:bgPr>
+    </p:bg>
+    <p:spTree>
+      <p:nvGrpSpPr>
+        <p:cNvPr id="1" name="">
+          <a:extLst>
+            <a:ext uri="{FF2B5EF4-FFF2-40B4-BE49-F238E27FC236}">
+              <a16:creationId xmlns:a16="http://schemas.microsoft.com/office/drawing/2014/main" id="{02A64AF1-90EC-5948-871B-527C08E9DCC6}"/>
+            </a:ext>
+          </a:extLst>
+        </p:cNvPr>
+        <p:cNvGrpSpPr/>
+        <p:nvPr/>
+      </p:nvGrpSpPr>
+      <p:grpSpPr>
+        <a:xfrm>
+          <a:off x="0" y="0"/>
+          <a:ext cx="0" cy="0"/>
+          <a:chOff x="0" y="0"/>
+          <a:chExt cx="0" cy="0"/>
+        </a:xfrm>
+      </p:grpSpPr>
+      <p:sp>
+        <p:nvSpPr>
+          <p:cNvPr id="3" name="Rectangle 2">
+            <a:extLst>
+              <a:ext uri="{FF2B5EF4-FFF2-40B4-BE49-F238E27FC236}">
+                <a16:creationId xmlns:a16="http://schemas.microsoft.com/office/drawing/2014/main" id="{D6BE113E-B374-DAEE-12E8-F79D63B16621}"/>
+              </a:ext>
+            </a:extLst>
+          </p:cNvPr>
+          <p:cNvSpPr/>
+          <p:nvPr/>
+        </p:nvSpPr>
+        <p:spPr>
+          <a:xfrm>
+            <a:off x="673975" y="405113"/>
+            <a:ext cx="11020314" cy="937549"/>
+          </a:xfrm>
+          <a:prstGeom prst="rect">
+            <a:avLst/>
+          </a:prstGeom>
+          <a:solidFill>
+            <a:schemeClr val="bg1"/>
+          </a:solidFill>
+          <a:ln>
+            <a:solidFill>
+              <a:schemeClr val="bg1">
+                <a:lumMod val="95000"/>
+              </a:schemeClr>
+            </a:solidFill>
+          </a:ln>
+          <a:effectLst>
+            <a:outerShdw blurRad="50800" dist="38100" dir="2700000" algn="tl" rotWithShape="0">
+              <a:prstClr val="black">
+                <a:alpha val="40000"/>
+              </a:prstClr>
+            </a:outerShdw>
+          </a:effectLst>
+        </p:spPr>
+        <p:style>
+          <a:lnRef idx="2">
+            <a:schemeClr val="accent1">
+              <a:shade val="15000"/>
+            </a:schemeClr>
+          </a:lnRef>
+          <a:fillRef idx="1">
+            <a:schemeClr val="accent1"/>
+          </a:fillRef>
+          <a:effectRef idx="0">
+            <a:schemeClr val="accent1"/>
+          </a:effectRef>
+          <a:fontRef idx="minor">
+            <a:schemeClr val="lt1"/>
+          </a:fontRef>
+        </p:style>
+        <p:txBody>
+          <a:bodyPr rtlCol="0" anchor="ctr"/>
+          <a:lstStyle/>
+          <a:p>
+            <a:pPr algn="ctr"/>
+            <a:endParaRPr lang="fr-FR"/>
+          </a:p>
+        </p:txBody>
+      </p:sp>
+      <p:sp>
+        <p:nvSpPr>
+          <p:cNvPr id="2" name="Titre 1">
+            <a:extLst>
+              <a:ext uri="{FF2B5EF4-FFF2-40B4-BE49-F238E27FC236}">
+                <a16:creationId xmlns:a16="http://schemas.microsoft.com/office/drawing/2014/main" id="{1F0E77F0-1E70-F732-42E0-698070304A9D}"/>
+              </a:ext>
+            </a:extLst>
+          </p:cNvPr>
+          <p:cNvSpPr txBox="1">
+            <a:spLocks/>
+          </p:cNvSpPr>
+          <p:nvPr/>
+        </p:nvSpPr>
+        <p:spPr>
+          <a:xfrm>
+            <a:off x="907225" y="583365"/>
+            <a:ext cx="8970548" cy="701426"/>
+          </a:xfrm>
+          <a:prstGeom prst="rect">
+            <a:avLst/>
+          </a:prstGeom>
+        </p:spPr>
+        <p:txBody>
+          <a:bodyPr>
+            <a:normAutofit/>
+          </a:bodyPr>
+          <a:lstStyle>
+            <a:lvl1pPr algn="l" defTabSz="914400" rtl="0" eaLnBrk="1" latinLnBrk="0" hangingPunct="1">
+              <a:lnSpc>
+                <a:spcPct val="90000"/>
+              </a:lnSpc>
+              <a:spcBef>
+                <a:spcPct val="0"/>
+              </a:spcBef>
+              <a:buNone/>
+              <a:defRPr sz="4400" kern="1200">
+                <a:solidFill>
+                  <a:schemeClr val="tx1"/>
+                </a:solidFill>
+                <a:latin typeface="+mj-lt"/>
+                <a:ea typeface="+mj-ea"/>
+                <a:cs typeface="+mj-cs"/>
+              </a:defRPr>
+            </a:lvl1pPr>
+          </a:lstStyle>
+          <a:p>
+            <a:r>
+              <a:rPr lang="fr-FR" sz="4000" dirty="0"/>
+              <a:t>Valider une solution technologique</a:t>
+            </a:r>
+          </a:p>
+        </p:txBody>
+      </p:sp>
+      <p:sp>
+        <p:nvSpPr>
+          <p:cNvPr id="7" name="Rectangle 6">
+            <a:extLst>
+              <a:ext uri="{FF2B5EF4-FFF2-40B4-BE49-F238E27FC236}">
+                <a16:creationId xmlns:a16="http://schemas.microsoft.com/office/drawing/2014/main" id="{F06C873B-4441-65E1-19B3-E1E60B70D4C5}"/>
+              </a:ext>
+            </a:extLst>
+          </p:cNvPr>
+          <p:cNvSpPr/>
+          <p:nvPr/>
+        </p:nvSpPr>
+        <p:spPr>
+          <a:xfrm>
+            <a:off x="619125" y="500258"/>
+            <a:ext cx="124142" cy="749808"/>
+          </a:xfrm>
+          <a:prstGeom prst="rect">
+            <a:avLst/>
+          </a:prstGeom>
+          <a:solidFill>
+            <a:srgbClr val="002060"/>
+          </a:solidFill>
+          <a:ln>
+            <a:noFill/>
+          </a:ln>
+        </p:spPr>
+        <p:style>
+          <a:lnRef idx="2">
+            <a:schemeClr val="accent1">
+              <a:shade val="15000"/>
+            </a:schemeClr>
+          </a:lnRef>
+          <a:fillRef idx="1">
+            <a:schemeClr val="accent1"/>
+          </a:fillRef>
+          <a:effectRef idx="0">
+            <a:schemeClr val="accent1"/>
+          </a:effectRef>
+          <a:fontRef idx="minor">
+            <a:schemeClr val="lt1"/>
+          </a:fontRef>
+        </p:style>
+        <p:txBody>
+          <a:bodyPr rtlCol="0" anchor="ctr"/>
+          <a:lstStyle/>
+          <a:p>
+            <a:pPr algn="ctr"/>
+            <a:endParaRPr lang="fr-FR"/>
+          </a:p>
+        </p:txBody>
+      </p:sp>
+      <p:pic>
+        <p:nvPicPr>
+          <p:cNvPr id="4" name="Image 3" descr="Une image contenant texte&#10;&#10;Description générée automatiquement">
+            <a:extLst>
+              <a:ext uri="{FF2B5EF4-FFF2-40B4-BE49-F238E27FC236}">
+                <a16:creationId xmlns:a16="http://schemas.microsoft.com/office/drawing/2014/main" id="{BB55BAB8-AC69-5731-D2AF-780EC6EB8620}"/>
+              </a:ext>
+            </a:extLst>
+          </p:cNvPr>
+          <p:cNvPicPr>
+            <a:picLocks noChangeAspect="1"/>
+          </p:cNvPicPr>
+          <p:nvPr/>
+        </p:nvPicPr>
+        <p:blipFill>
+          <a:blip r:embed="rId3" cstate="print">
+            <a:extLst>
+              <a:ext uri="{28A0092B-C50C-407E-A947-70E740481C1C}">
+                <a14:useLocalDpi xmlns:a14="http://schemas.microsoft.com/office/drawing/2010/main" val="0"/>
+              </a:ext>
+            </a:extLst>
+          </a:blip>
+          <a:stretch>
+            <a:fillRect/>
+          </a:stretch>
+        </p:blipFill>
+        <p:spPr>
+          <a:xfrm>
+            <a:off x="9808481" y="509288"/>
+            <a:ext cx="1825291" cy="749808"/>
+          </a:xfrm>
+          <a:prstGeom prst="rect">
+            <a:avLst/>
+          </a:prstGeom>
+        </p:spPr>
+      </p:pic>
+      <p:sp>
+        <p:nvSpPr>
+          <p:cNvPr id="14" name="ZoneTexte 13">
+            <a:extLst>
+              <a:ext uri="{FF2B5EF4-FFF2-40B4-BE49-F238E27FC236}">
+                <a16:creationId xmlns:a16="http://schemas.microsoft.com/office/drawing/2014/main" id="{0268F863-95BF-6983-5F02-E47FBE68B05F}"/>
+              </a:ext>
+            </a:extLst>
+          </p:cNvPr>
+          <p:cNvSpPr txBox="1"/>
+          <p:nvPr/>
+        </p:nvSpPr>
+        <p:spPr>
+          <a:xfrm>
+            <a:off x="907225" y="1583471"/>
+            <a:ext cx="7110619" cy="738664"/>
+          </a:xfrm>
+          <a:prstGeom prst="rect">
+            <a:avLst/>
+          </a:prstGeom>
+          <a:noFill/>
+        </p:spPr>
+        <p:txBody>
+          <a:bodyPr wrap="square">
+            <a:spAutoFit/>
+          </a:bodyPr>
+          <a:lstStyle/>
+          <a:p>
+            <a:pPr rtl="0" fontAlgn="ctr"/>
+            <a:r>
+              <a:rPr lang="fr-FR" sz="2400" b="1" i="0" dirty="0">
+                <a:solidFill>
+                  <a:srgbClr val="0A3260"/>
+                </a:solidFill>
+                <a:effectLst/>
+                <a:latin typeface="Montserrat" panose="00000500000000000000" pitchFamily="2" charset="0"/>
+              </a:rPr>
+              <a:t>Valider</a:t>
+            </a:r>
+            <a:r>
+              <a:rPr lang="fr-FR" sz="2400" b="0" i="0" dirty="0">
+                <a:solidFill>
+                  <a:srgbClr val="0A3260"/>
+                </a:solidFill>
+                <a:effectLst/>
+                <a:latin typeface="Montserrat" panose="00000500000000000000" pitchFamily="2" charset="0"/>
+              </a:rPr>
+              <a:t> une solution technologique </a:t>
+            </a:r>
+          </a:p>
+          <a:p>
+            <a:pPr rtl="0" fontAlgn="ctr"/>
+            <a:r>
+              <a:rPr lang="fr-FR" b="0" i="0" dirty="0">
+                <a:solidFill>
+                  <a:srgbClr val="0A3260"/>
+                </a:solidFill>
+                <a:effectLst/>
+                <a:latin typeface="Montserrat" panose="00000500000000000000" pitchFamily="2" charset="0"/>
+              </a:rPr>
+              <a:t>intégrant des fonctionnalités optiques/photoniques</a:t>
+            </a:r>
+            <a:endParaRPr lang="fr-FR" sz="2800" b="0" dirty="0">
+              <a:solidFill>
+                <a:srgbClr val="0A3260"/>
+              </a:solidFill>
+              <a:effectLst/>
+              <a:latin typeface="Montserrat" panose="00000500000000000000" pitchFamily="2" charset="0"/>
+            </a:endParaRPr>
+          </a:p>
+        </p:txBody>
+      </p:sp>
+      <p:sp>
+        <p:nvSpPr>
+          <p:cNvPr id="28" name="ZoneTexte 27">
+            <a:extLst>
+              <a:ext uri="{FF2B5EF4-FFF2-40B4-BE49-F238E27FC236}">
+                <a16:creationId xmlns:a16="http://schemas.microsoft.com/office/drawing/2014/main" id="{B3F31C8D-3C40-BA01-24F7-224EBE8675A3}"/>
+              </a:ext>
+            </a:extLst>
+          </p:cNvPr>
+          <p:cNvSpPr txBox="1"/>
+          <p:nvPr/>
+        </p:nvSpPr>
+        <p:spPr>
+          <a:xfrm>
+            <a:off x="1323943" y="2754987"/>
+            <a:ext cx="8692893" cy="1200329"/>
+          </a:xfrm>
+          <a:prstGeom prst="rect">
+            <a:avLst/>
+          </a:prstGeom>
+          <a:noFill/>
+        </p:spPr>
+        <p:txBody>
+          <a:bodyPr wrap="square">
+            <a:spAutoFit/>
+          </a:bodyPr>
+          <a:lstStyle/>
+          <a:p>
+            <a:r>
+              <a:rPr lang="fr-FR" b="0" i="0" dirty="0">
+                <a:effectLst/>
+                <a:latin typeface="Montserrat" panose="00000500000000000000" pitchFamily="2" charset="0"/>
+              </a:rPr>
+              <a:t>Un système de </a:t>
+            </a:r>
+            <a:r>
+              <a:rPr lang="fr-FR" b="1" i="0" dirty="0">
+                <a:effectLst/>
+                <a:latin typeface="Montserrat" panose="00000500000000000000" pitchFamily="2" charset="0"/>
+              </a:rPr>
+              <a:t>détection d’objet </a:t>
+            </a:r>
+            <a:r>
+              <a:rPr lang="fr-FR" b="0" i="0" dirty="0">
+                <a:effectLst/>
+                <a:latin typeface="Montserrat" panose="00000500000000000000" pitchFamily="2" charset="0"/>
+              </a:rPr>
+              <a:t>associé à un algorithme vous a été fourni par un sous-traitant et vous devez valider que l’ensemble permette bien </a:t>
+            </a:r>
+            <a:r>
+              <a:rPr lang="fr-FR" b="1" i="0" dirty="0">
+                <a:effectLst/>
+                <a:latin typeface="Montserrat" panose="00000500000000000000" pitchFamily="2" charset="0"/>
+              </a:rPr>
+              <a:t>d’éliminer des objets </a:t>
+            </a:r>
+            <a:r>
+              <a:rPr lang="fr-FR" b="0" i="0" dirty="0">
+                <a:effectLst/>
+                <a:latin typeface="Montserrat" panose="00000500000000000000" pitchFamily="2" charset="0"/>
+              </a:rPr>
+              <a:t>dont la taille est inférieure à une certaine valeur.</a:t>
+            </a:r>
+            <a:endParaRPr lang="fr-FR" dirty="0"/>
+          </a:p>
+        </p:txBody>
+      </p:sp>
+      <p:sp>
+        <p:nvSpPr>
+          <p:cNvPr id="42" name="Rectangle 41">
+            <a:extLst>
+              <a:ext uri="{FF2B5EF4-FFF2-40B4-BE49-F238E27FC236}">
+                <a16:creationId xmlns:a16="http://schemas.microsoft.com/office/drawing/2014/main" id="{97B80C51-25A8-D7FB-51D3-70CDEB4011A9}"/>
+              </a:ext>
+            </a:extLst>
+          </p:cNvPr>
+          <p:cNvSpPr/>
+          <p:nvPr/>
+        </p:nvSpPr>
+        <p:spPr>
+          <a:xfrm>
+            <a:off x="8766466" y="1689458"/>
+            <a:ext cx="2640155" cy="473075"/>
+          </a:xfrm>
+          <a:prstGeom prst="rect">
+            <a:avLst/>
+          </a:prstGeom>
+          <a:solidFill>
+            <a:srgbClr val="C00000"/>
+          </a:solidFill>
+        </p:spPr>
+        <p:style>
+          <a:lnRef idx="2">
+            <a:schemeClr val="accent1">
+              <a:shade val="15000"/>
+            </a:schemeClr>
+          </a:lnRef>
+          <a:fillRef idx="1">
+            <a:schemeClr val="accent1"/>
+          </a:fillRef>
+          <a:effectRef idx="0">
+            <a:schemeClr val="accent1"/>
+          </a:effectRef>
+          <a:fontRef idx="minor">
+            <a:schemeClr val="lt1"/>
+          </a:fontRef>
+        </p:style>
+        <p:txBody>
+          <a:bodyPr rtlCol="0" anchor="ctr"/>
+          <a:lstStyle/>
+          <a:p>
+            <a:pPr algn="ctr"/>
+            <a:r>
+              <a:rPr lang="fr-FR" dirty="0"/>
+              <a:t>CAS 4</a:t>
+            </a:r>
+          </a:p>
+        </p:txBody>
+      </p:sp>
+    </p:spTree>
+    <p:extLst>
+      <p:ext uri="{BB962C8B-B14F-4D97-AF65-F5344CB8AC3E}">
+        <p14:creationId xmlns:p14="http://schemas.microsoft.com/office/powerpoint/2010/main" val="3877787017"/>
       </p:ext>
     </p:extLst>
   </p:cSld>
@@ -18536,10 +22103,10 @@
       </p:sp>
       <p:sp>
         <p:nvSpPr>
-          <p:cNvPr id="6" name="ZoneTexte 5">
-            <a:extLst>
-              <a:ext uri="{FF2B5EF4-FFF2-40B4-BE49-F238E27FC236}">
-                <a16:creationId xmlns:a16="http://schemas.microsoft.com/office/drawing/2014/main" id="{B371E934-66FC-6E95-FB8B-0AB66054C030}"/>
+          <p:cNvPr id="5" name="ZoneTexte 4">
+            <a:extLst>
+              <a:ext uri="{FF2B5EF4-FFF2-40B4-BE49-F238E27FC236}">
+                <a16:creationId xmlns:a16="http://schemas.microsoft.com/office/drawing/2014/main" id="{01A6DF2B-2E1E-107D-0B23-8694FCBFFFB2}"/>
               </a:ext>
             </a:extLst>
           </p:cNvPr>
@@ -18563,14 +22130,15 @@
           <a:lstStyle/>
           <a:p>
             <a:r>
-              <a:rPr lang="fr-FR" sz="1200" i="0" dirty="0">
-                <a:solidFill>
-                  <a:srgbClr val="0A3260"/>
-                </a:solidFill>
+              <a:rPr lang="fr-FR" sz="1200" dirty="0"/>
+              <a:t>Groupes de travail IOGS depuis Février 2022:  </a:t>
+            </a:r>
+            <a:r>
+              <a:rPr lang="fr-FR" sz="1200" dirty="0">
                 <a:effectLst/>
-                <a:latin typeface="Montserrat" panose="00000500000000000000" pitchFamily="2" charset="0"/>
+                <a:hlinkClick r:id="rId5"/>
               </a:rPr>
-              <a:t>Travail coordonné et synthétisé par Fabienne BERNARD (IOGS) </a:t>
+              <a:t>tinyurl.com/APC-IOGS</a:t>
             </a:r>
             <a:endParaRPr lang="fr-FR" sz="1200" dirty="0"/>
           </a:p>
@@ -18982,10 +22550,10 @@
       </p:sp>
       <p:sp>
         <p:nvSpPr>
-          <p:cNvPr id="6" name="ZoneTexte 5">
-            <a:extLst>
-              <a:ext uri="{FF2B5EF4-FFF2-40B4-BE49-F238E27FC236}">
-                <a16:creationId xmlns:a16="http://schemas.microsoft.com/office/drawing/2014/main" id="{67777E2A-D8BD-1464-107B-145BF95E0670}"/>
+          <p:cNvPr id="9" name="ZoneTexte 8">
+            <a:extLst>
+              <a:ext uri="{FF2B5EF4-FFF2-40B4-BE49-F238E27FC236}">
+                <a16:creationId xmlns:a16="http://schemas.microsoft.com/office/drawing/2014/main" id="{F2E40C8C-4655-ED7F-208E-0DD39B671B5A}"/>
               </a:ext>
             </a:extLst>
           </p:cNvPr>
@@ -19009,14 +22577,15 @@
           <a:lstStyle/>
           <a:p>
             <a:r>
-              <a:rPr lang="fr-FR" sz="1200" i="0" dirty="0">
-                <a:solidFill>
-                  <a:srgbClr val="0A3260"/>
-                </a:solidFill>
+              <a:rPr lang="fr-FR" sz="1200" dirty="0"/>
+              <a:t>Groupes de travail IOGS depuis février 2022:  </a:t>
+            </a:r>
+            <a:r>
+              <a:rPr lang="fr-FR" sz="1200" dirty="0">
                 <a:effectLst/>
-                <a:latin typeface="Montserrat" panose="00000500000000000000" pitchFamily="2" charset="0"/>
+                <a:hlinkClick r:id="rId7"/>
               </a:rPr>
-              <a:t>Travail coordonné et synthétisé par Fabienne BERNARD (IOGS) </a:t>
+              <a:t>tinyurl.com/APC-IOGS</a:t>
             </a:r>
             <a:endParaRPr lang="fr-FR" sz="1200" dirty="0"/>
           </a:p>

--- a/InterfacageNumerique/APC/S6_IntNum_APC.pptx
+++ b/InterfacageNumerique/APC/S6_IntNum_APC.pptx
@@ -234,7 +234,7 @@
           <a:p>
             <a:fld id="{729C724E-499D-43AC-8699-CF969D2466FC}" type="datetimeFigureOut">
               <a:rPr lang="fr-FR" smtClean="0"/>
-              <a:t>27/01/2025</a:t>
+              <a:t>28/11/2025</a:t>
             </a:fld>
             <a:endParaRPr lang="fr-FR"/>
           </a:p>
@@ -2877,7 +2877,7 @@
           <a:p>
             <a:fld id="{02AC24A9-CCB6-4F8D-B8DB-C2F3692CFA5A}" type="datetimeFigureOut">
               <a:rPr lang="en-US" smtClean="0"/>
-              <a:t>1/27/2025</a:t>
+              <a:t>11/28/2025</a:t>
             </a:fld>
             <a:endParaRPr lang="en-US" dirty="0"/>
           </a:p>
@@ -3247,7 +3247,7 @@
           <a:p>
             <a:fld id="{02AC24A9-CCB6-4F8D-B8DB-C2F3692CFA5A}" type="datetimeFigureOut">
               <a:rPr lang="en-US" smtClean="0"/>
-              <a:t>1/27/2025</a:t>
+              <a:t>11/28/2025</a:t>
             </a:fld>
             <a:endParaRPr lang="en-US"/>
           </a:p>
@@ -3456,7 +3456,7 @@
           <a:p>
             <a:fld id="{02AC24A9-CCB6-4F8D-B8DB-C2F3692CFA5A}" type="datetimeFigureOut">
               <a:rPr lang="en-US" smtClean="0"/>
-              <a:t>1/27/2025</a:t>
+              <a:t>11/28/2025</a:t>
             </a:fld>
             <a:endParaRPr lang="en-US"/>
           </a:p>
@@ -3926,7 +3926,7 @@
           <a:p>
             <a:fld id="{02AC24A9-CCB6-4F8D-B8DB-C2F3692CFA5A}" type="datetimeFigureOut">
               <a:rPr lang="en-US" smtClean="0"/>
-              <a:t>1/27/2025</a:t>
+              <a:t>11/28/2025</a:t>
             </a:fld>
             <a:endParaRPr lang="en-US"/>
           </a:p>
@@ -4380,7 +4380,7 @@
           <a:p>
             <a:fld id="{02AC24A9-CCB6-4F8D-B8DB-C2F3692CFA5A}" type="datetimeFigureOut">
               <a:rPr lang="en-US" smtClean="0"/>
-              <a:t>1/27/2025</a:t>
+              <a:t>11/28/2025</a:t>
             </a:fld>
             <a:endParaRPr lang="en-US"/>
           </a:p>
@@ -4912,7 +4912,7 @@
           <a:p>
             <a:fld id="{02AC24A9-CCB6-4F8D-B8DB-C2F3692CFA5A}" type="datetimeFigureOut">
               <a:rPr lang="en-US" smtClean="0"/>
-              <a:t>1/27/2025</a:t>
+              <a:t>11/28/2025</a:t>
             </a:fld>
             <a:endParaRPr lang="en-US"/>
           </a:p>
@@ -5611,7 +5611,7 @@
           <a:p>
             <a:fld id="{02AC24A9-CCB6-4F8D-B8DB-C2F3692CFA5A}" type="datetimeFigureOut">
               <a:rPr lang="en-US" smtClean="0"/>
-              <a:t>1/27/2025</a:t>
+              <a:t>11/28/2025</a:t>
             </a:fld>
             <a:endParaRPr lang="en-US"/>
           </a:p>
@@ -5940,7 +5940,7 @@
           <a:p>
             <a:fld id="{02AC24A9-CCB6-4F8D-B8DB-C2F3692CFA5A}" type="datetimeFigureOut">
               <a:rPr lang="en-US" smtClean="0"/>
-              <a:t>1/27/2025</a:t>
+              <a:t>11/28/2025</a:t>
             </a:fld>
             <a:endParaRPr lang="en-US"/>
           </a:p>
@@ -6053,7 +6053,7 @@
           <a:p>
             <a:fld id="{02AC24A9-CCB6-4F8D-B8DB-C2F3692CFA5A}" type="datetimeFigureOut">
               <a:rPr lang="en-US" smtClean="0"/>
-              <a:t>1/27/2025</a:t>
+              <a:t>11/28/2025</a:t>
             </a:fld>
             <a:endParaRPr lang="en-US"/>
           </a:p>
@@ -6548,7 +6548,7 @@
           <a:p>
             <a:fld id="{02AC24A9-CCB6-4F8D-B8DB-C2F3692CFA5A}" type="datetimeFigureOut">
               <a:rPr lang="en-US" smtClean="0"/>
-              <a:t>1/27/2025</a:t>
+              <a:t>11/28/2025</a:t>
             </a:fld>
             <a:endParaRPr lang="en-US" dirty="0"/>
           </a:p>
@@ -7025,7 +7025,7 @@
           <a:p>
             <a:fld id="{02AC24A9-CCB6-4F8D-B8DB-C2F3692CFA5A}" type="datetimeFigureOut">
               <a:rPr lang="en-US" smtClean="0"/>
-              <a:t>1/27/2025</a:t>
+              <a:t>11/28/2025</a:t>
             </a:fld>
             <a:endParaRPr lang="en-US"/>
           </a:p>
@@ -7268,7 +7268,7 @@
           <a:p>
             <a:fld id="{02AC24A9-CCB6-4F8D-B8DB-C2F3692CFA5A}" type="datetimeFigureOut">
               <a:rPr lang="en-US" smtClean="0"/>
-              <a:t>1/27/2025</a:t>
+              <a:t>11/28/2025</a:t>
             </a:fld>
             <a:endParaRPr lang="en-US"/>
           </a:p>
@@ -11891,7 +11891,7 @@
                   <a:srgbClr val="002060"/>
                 </a:solidFill>
               </a:rPr>
-              <a:t>26 mai 2025</a:t>
+              <a:t>21 mai 2026</a:t>
             </a:r>
           </a:p>
         </p:txBody>
